--- a/resources/MTH107-HOcheatsheet.pptx
+++ b/resources/MTH107-HOcheatsheet.pptx
@@ -5,10 +5,11 @@
     <p:sldMasterId id="2147483648" r:id="rId1"/>
   </p:sldMasterIdLst>
   <p:notesMasterIdLst>
-    <p:notesMasterId r:id="rId3"/>
+    <p:notesMasterId r:id="rId4"/>
   </p:notesMasterIdLst>
   <p:sldIdLst>
     <p:sldId id="256" r:id="rId2"/>
+    <p:sldId id="257" r:id="rId3"/>
   </p:sldIdLst>
   <p:sldSz cx="9144000" cy="6858000" type="letter"/>
   <p:notesSz cx="7023100" cy="9309100"/>
@@ -1492,7 +1493,7 @@
           </a:ln>
           <a:extLst>
             <a:ext uri="{C572A759-6A51-4108-AA02-DFA0A04FC94B}">
-              <ma14:wrappingTextBoxFlag xmlns:ma14="http://schemas.microsoft.com/office/mac/drawingml/2011/main" xmlns="" val="1"/>
+              <ma14:wrappingTextBoxFlag xmlns="" xmlns:ma14="http://schemas.microsoft.com/office/mac/drawingml/2011/main" val="1"/>
             </a:ext>
           </a:extLst>
         </p:spPr>
@@ -1535,7 +1536,7 @@
           </a:ln>
           <a:extLst>
             <a:ext uri="{C572A759-6A51-4108-AA02-DFA0A04FC94B}">
-              <ma14:wrappingTextBoxFlag xmlns:ma14="http://schemas.microsoft.com/office/mac/drawingml/2011/main" xmlns="" val="1"/>
+              <ma14:wrappingTextBoxFlag xmlns="" xmlns:ma14="http://schemas.microsoft.com/office/mac/drawingml/2011/main" val="1"/>
             </a:ext>
           </a:extLst>
         </p:spPr>
@@ -2103,22 +2104,22 @@
                     <a:t> “Distribution of </a:t>
                   </a:r>
                   <a:r>
-                    <a:rPr lang="en-US" sz="900" dirty="0" err="1" smtClean="0">
-                      <a:latin typeface="Source Sans Pro Light"/>
-                      <a:ea typeface="Source Sans Pro Light"/>
-                      <a:cs typeface="Source Sans Pro Light"/>
-                      <a:sym typeface="Source Sans Pro Light"/>
-                    </a:rPr>
-                    <a:t>indivs</a:t>
-                  </a:r>
-                  <a:r>
                     <a:rPr lang="en-US" sz="900" dirty="0" smtClean="0">
                       <a:latin typeface="Source Sans Pro Light"/>
                       <a:ea typeface="Source Sans Pro Light"/>
                       <a:cs typeface="Source Sans Pro Light"/>
                       <a:sym typeface="Source Sans Pro Light"/>
                     </a:rPr>
-                    <a:t> into response levels is the same for all populations”</a:t>
+                    <a:t>individuals </a:t>
+                  </a:r>
+                  <a:r>
+                    <a:rPr lang="en-US" sz="900" dirty="0" smtClean="0">
+                      <a:latin typeface="Source Sans Pro Light"/>
+                      <a:ea typeface="Source Sans Pro Light"/>
+                      <a:cs typeface="Source Sans Pro Light"/>
+                      <a:sym typeface="Source Sans Pro Light"/>
+                    </a:rPr>
+                    <a:t>into response levels is the same for all populations”</a:t>
                   </a:r>
                 </a:p>
                 <a:p>
@@ -2184,7 +2185,7 @@
                       <a:cs typeface="Source Sans Pro Light"/>
                       <a:sym typeface="Source Sans Pro Light"/>
                     </a:rPr>
-                    <a:t>indivs</a:t>
+                    <a:t>individs</a:t>
                   </a:r>
                   <a:r>
                     <a:rPr lang="en-US" sz="900" dirty="0" smtClean="0">
@@ -2193,7 +2194,16 @@
                       <a:cs typeface="Source Sans Pro Light"/>
                       <a:sym typeface="Source Sans Pro Light"/>
                     </a:rPr>
-                    <a:t> into </a:t>
+                    <a:t> </a:t>
+                  </a:r>
+                  <a:r>
+                    <a:rPr lang="en-US" sz="900" dirty="0" smtClean="0">
+                      <a:latin typeface="Source Sans Pro Light"/>
+                      <a:ea typeface="Source Sans Pro Light"/>
+                      <a:cs typeface="Source Sans Pro Light"/>
+                      <a:sym typeface="Source Sans Pro Light"/>
+                    </a:rPr>
+                    <a:t>into </a:t>
                   </a:r>
                   <a:r>
                     <a:rPr lang="en-US" sz="900" dirty="0">
@@ -2314,7 +2324,7 @@
                       <m:sSup>
                         <m:sSupPr>
                           <m:ctrlPr>
-                            <a:rPr lang="en-US" sz="900" b="1" smtClean="0">
+                            <a:rPr lang="en-US" sz="900" b="1" i="1" smtClean="0">
                               <a:latin typeface="Cambria Math" panose="02040503050406030204" pitchFamily="18" charset="0"/>
                               <a:sym typeface="Source Sans Pro Light"/>
                             </a:rPr>
@@ -2353,7 +2363,7 @@
                           <m:subHide m:val="on"/>
                           <m:supHide m:val="on"/>
                           <m:ctrlPr>
-                            <a:rPr lang="en-US" sz="900" b="1" smtClean="0">
+                            <a:rPr lang="en-US" sz="900" b="1" i="1" smtClean="0">
                               <a:latin typeface="Cambria Math" panose="02040503050406030204" pitchFamily="18" charset="0"/>
                               <a:sym typeface="Source Sans Pro Light"/>
                             </a:rPr>
@@ -2365,7 +2375,7 @@
                           <m:f>
                             <m:fPr>
                               <m:ctrlPr>
-                                <a:rPr lang="en-US" sz="900" b="1" smtClean="0">
+                                <a:rPr lang="en-US" sz="900" b="1" i="1" smtClean="0">
                                   <a:latin typeface="Cambria Math" panose="02040503050406030204" pitchFamily="18" charset="0"/>
                                   <a:sym typeface="Source Sans Pro Light"/>
                                 </a:rPr>
@@ -2375,7 +2385,7 @@
                               <m:sSup>
                                 <m:sSupPr>
                                   <m:ctrlPr>
-                                    <a:rPr lang="en-US" sz="900" b="1" smtClean="0">
+                                    <a:rPr lang="en-US" sz="900" b="1" i="1" smtClean="0">
                                       <a:latin typeface="Cambria Math" panose="02040503050406030204" pitchFamily="18" charset="0"/>
                                       <a:sym typeface="Source Sans Pro Light"/>
                                     </a:rPr>
@@ -2385,7 +2395,7 @@
                                   <m:d>
                                     <m:dPr>
                                       <m:ctrlPr>
-                                        <a:rPr lang="en-US" sz="900" b="1" smtClean="0">
+                                        <a:rPr lang="en-US" sz="900" b="1" i="1" smtClean="0">
                                           <a:latin typeface="Cambria Math" panose="02040503050406030204" pitchFamily="18" charset="0"/>
                                           <a:sym typeface="Source Sans Pro Light"/>
                                         </a:rPr>
@@ -2728,7 +2738,7 @@
                 <a:blipFill rotWithShape="0">
                   <a:blip r:embed="rId3"/>
                   <a:stretch>
-                    <a:fillRect l="-417" b="-1235"/>
+                    <a:fillRect l="-417" r="-139" b="-1235"/>
                   </a:stretch>
                 </a:blipFill>
                 <a:ln w="12700">
@@ -2774,7 +2784,7 @@
             </a:ln>
             <a:extLst>
               <a:ext uri="{C572A759-6A51-4108-AA02-DFA0A04FC94B}">
-                <ma14:wrappingTextBoxFlag xmlns:ma14="http://schemas.microsoft.com/office/mac/drawingml/2011/main" xmlns="" val="1"/>
+                <ma14:wrappingTextBoxFlag xmlns="" xmlns:ma14="http://schemas.microsoft.com/office/mac/drawingml/2011/main" val="1"/>
               </a:ext>
             </a:extLst>
           </p:spPr>
@@ -2907,25 +2917,7 @@
                   <a:cs typeface="Source Sans Pro Light"/>
                   <a:sym typeface="Source Sans Pro Light"/>
                 </a:rPr>
-                <a:t>; </a:t>
-              </a:r>
-              <a:r>
-                <a:rPr lang="en-US" sz="900" dirty="0" smtClean="0">
-                  <a:latin typeface="Source Sans Pro Light"/>
-                  <a:ea typeface="Source Sans Pro Light"/>
-                  <a:cs typeface="Source Sans Pro Light"/>
-                  <a:sym typeface="Source Sans Pro Light"/>
-                </a:rPr>
-                <a:t>otherwis</a:t>
-              </a:r>
-              <a:r>
-                <a:rPr lang="en-US" sz="900" dirty="0" smtClean="0">
-                  <a:latin typeface="Source Sans Pro Light"/>
-                  <a:ea typeface="Source Sans Pro Light"/>
-                  <a:cs typeface="Source Sans Pro Light"/>
-                  <a:sym typeface="Source Sans Pro Light"/>
-                </a:rPr>
-                <a:t>e GOTO </a:t>
+                <a:t>; otherwise GOTO </a:t>
               </a:r>
               <a:r>
                 <a:rPr lang="en-US" sz="900" dirty="0" smtClean="0">
@@ -2987,12 +2979,6 @@
                 </a:rPr>
                 <a:t>Quantitative Response</a:t>
               </a:r>
-              <a:endParaRPr lang="en-US" sz="900" b="1" u="sng" dirty="0" smtClean="0">
-                <a:latin typeface="Source Sans Pro Light"/>
-                <a:ea typeface="Source Sans Pro Light"/>
-                <a:cs typeface="Source Sans Pro Light"/>
-                <a:sym typeface="Source Sans Pro Light"/>
-              </a:endParaRPr>
             </a:p>
             <a:p>
               <a:pPr algn="l">
@@ -3416,7 +3402,7 @@
             </a:ln>
             <a:extLst>
               <a:ext uri="{C572A759-6A51-4108-AA02-DFA0A04FC94B}">
-                <ma14:wrappingTextBoxFlag xmlns:ma14="http://schemas.microsoft.com/office/mac/drawingml/2011/main" xmlns="" val="1"/>
+                <ma14:wrappingTextBoxFlag xmlns="" xmlns:ma14="http://schemas.microsoft.com/office/mac/drawingml/2011/main" val="1"/>
               </a:ext>
             </a:extLst>
           </p:spPr>
@@ -3470,8 +3456,8 @@
             <a:chExt cx="4393984" cy="1650049"/>
           </a:xfrm>
         </p:grpSpPr>
-        <mc:AlternateContent xmlns:mc="http://schemas.openxmlformats.org/markup-compatibility/2006">
-          <mc:Choice xmlns:a14="http://schemas.microsoft.com/office/drawing/2010/main" Requires="a14">
+        <mc:AlternateContent xmlns:mc="http://schemas.openxmlformats.org/markup-compatibility/2006" xmlns:a14="http://schemas.microsoft.com/office/drawing/2010/main">
+          <mc:Choice Requires="a14">
             <p:sp>
               <p:nvSpPr>
                 <p:cNvPr id="54" name="Shape 34"/>
@@ -3720,7 +3706,7 @@
                       <m:f>
                         <m:fPr>
                           <m:ctrlPr>
-                            <a:rPr lang="en-US" sz="1100" b="0" smtClean="0">
+                            <a:rPr lang="en-US" sz="1100" b="0" i="1" smtClean="0">
                               <a:latin typeface="Cambria Math" panose="02040503050406030204" pitchFamily="18" charset="0"/>
                               <a:sym typeface="Source Sans Pro Light"/>
                             </a:rPr>
@@ -3731,7 +3717,7 @@
                             <m:accPr>
                               <m:chr m:val="̅"/>
                               <m:ctrlPr>
-                                <a:rPr lang="en-US" sz="1100" b="0" smtClean="0">
+                                <a:rPr lang="en-US" sz="1100" b="0" i="1" smtClean="0">
                                   <a:latin typeface="Cambria Math" panose="02040503050406030204" pitchFamily="18" charset="0"/>
                                   <a:sym typeface="Source Sans Pro Light"/>
                                 </a:rPr>
@@ -3760,7 +3746,7 @@
                           <m:sSub>
                             <m:sSubPr>
                               <m:ctrlPr>
-                                <a:rPr lang="en-US" sz="1100" b="0" smtClean="0">
+                                <a:rPr lang="en-US" sz="1100" b="0" i="1" smtClean="0">
                                   <a:latin typeface="Cambria Math" panose="02040503050406030204" pitchFamily="18" charset="0"/>
                                   <a:sym typeface="Source Sans Pro Light"/>
                                 </a:rPr>
@@ -3794,7 +3780,7 @@
                           <m:box>
                             <m:boxPr>
                               <m:ctrlPr>
-                                <a:rPr lang="en-US" sz="1100" b="0" smtClean="0">
+                                <a:rPr lang="en-US" sz="1100" b="0" i="1" smtClean="0">
                                   <a:latin typeface="Cambria Math" panose="02040503050406030204" pitchFamily="18" charset="0"/>
                                   <a:sym typeface="Source Sans Pro Light"/>
                                 </a:rPr>
@@ -3807,7 +3793,7 @@
                               <m:f>
                                 <m:fPr>
                                   <m:ctrlPr>
-                                    <a:rPr lang="en-US" sz="1100" b="0" smtClean="0">
+                                    <a:rPr lang="en-US" sz="1100" b="0" i="1" smtClean="0">
                                       <a:latin typeface="Cambria Math" panose="02040503050406030204" pitchFamily="18" charset="0"/>
                                       <a:sym typeface="Source Sans Pro Light"/>
                                     </a:rPr>
@@ -3877,7 +3863,7 @@
                         <m:accPr>
                           <m:chr m:val="̅"/>
                           <m:ctrlPr>
-                            <a:rPr lang="en-US" sz="1100">
+                            <a:rPr lang="en-US" sz="1100" i="1">
                               <a:latin typeface="Cambria Math" panose="02040503050406030204" pitchFamily="18" charset="0"/>
                               <a:sym typeface="Source Sans Pro Light"/>
                             </a:rPr>
@@ -3906,7 +3892,7 @@
                       <m:sSup>
                         <m:sSupPr>
                           <m:ctrlPr>
-                            <a:rPr lang="en-US" sz="1100" smtClean="0">
+                            <a:rPr lang="en-US" sz="1100" i="1" smtClean="0">
                               <a:latin typeface="Cambria Math" panose="02040503050406030204" pitchFamily="18" charset="0"/>
                               <a:ea typeface="Cambria Math" panose="02040503050406030204" pitchFamily="18" charset="0"/>
                               <a:sym typeface="Source Sans Pro Light"/>
@@ -3940,7 +3926,7 @@
                       <m:f>
                         <m:fPr>
                           <m:ctrlPr>
-                            <a:rPr lang="en-US" sz="1100" smtClean="0">
+                            <a:rPr lang="en-US" sz="1100" i="1" smtClean="0">
                               <a:latin typeface="Cambria Math" panose="02040503050406030204" pitchFamily="18" charset="0"/>
                               <a:ea typeface="Cambria Math" panose="02040503050406030204" pitchFamily="18" charset="0"/>
                               <a:sym typeface="Source Sans Pro Light"/>
@@ -4301,7 +4287,7 @@
               </p:txBody>
             </p:sp>
           </mc:Choice>
-          <mc:Fallback>
+          <mc:Fallback xmlns="">
             <p:sp>
               <p:nvSpPr>
                 <p:cNvPr id="54" name="Shape 34"/>
@@ -4369,7 +4355,7 @@
             </a:ln>
             <a:extLst>
               <a:ext uri="{C572A759-6A51-4108-AA02-DFA0A04FC94B}">
-                <ma14:wrappingTextBoxFlag xmlns:ma14="http://schemas.microsoft.com/office/mac/drawingml/2011/main" xmlns="" val="1"/>
+                <ma14:wrappingTextBoxFlag xmlns="" xmlns:ma14="http://schemas.microsoft.com/office/mac/drawingml/2011/main" val="1"/>
               </a:ext>
             </a:extLst>
           </p:spPr>
@@ -4568,7 +4554,7 @@
                       <m:sSub>
                         <m:sSubPr>
                           <m:ctrlPr>
-                            <a:rPr lang="en-US" sz="1200" smtClean="0">
+                            <a:rPr lang="en-US" sz="1200" i="1" smtClean="0">
                               <a:latin typeface="Cambria Math" panose="02040503050406030204" pitchFamily="18" charset="0"/>
                               <a:sym typeface="Source Sans Pro Light"/>
                             </a:rPr>
@@ -4579,7 +4565,7 @@
                             <m:accPr>
                               <m:chr m:val="̅"/>
                               <m:ctrlPr>
-                                <a:rPr lang="en-US" sz="1200" smtClean="0">
+                                <a:rPr lang="en-US" sz="1200" i="1" smtClean="0">
                                   <a:latin typeface="Cambria Math" panose="02040503050406030204" pitchFamily="18" charset="0"/>
                                   <a:sym typeface="Source Sans Pro Light"/>
                                 </a:rPr>
@@ -4619,7 +4605,7 @@
                       <m:sSub>
                         <m:sSubPr>
                           <m:ctrlPr>
-                            <a:rPr lang="en-US" sz="1200">
+                            <a:rPr lang="en-US" sz="1200" i="1">
                               <a:latin typeface="Cambria Math" panose="02040503050406030204" pitchFamily="18" charset="0"/>
                               <a:sym typeface="Source Sans Pro Light"/>
                             </a:rPr>
@@ -4630,7 +4616,7 @@
                             <m:accPr>
                               <m:chr m:val="̅"/>
                               <m:ctrlPr>
-                                <a:rPr lang="en-US" sz="1200">
+                                <a:rPr lang="en-US" sz="1200" i="1">
                                   <a:latin typeface="Cambria Math" panose="02040503050406030204" pitchFamily="18" charset="0"/>
                                   <a:sym typeface="Source Sans Pro Light"/>
                                 </a:rPr>
@@ -4733,7 +4719,7 @@
                       <m:f>
                         <m:fPr>
                           <m:ctrlPr>
-                            <a:rPr lang="en-US" sz="1050" b="0" smtClean="0">
+                            <a:rPr lang="en-US" sz="1050" b="0" i="1" smtClean="0">
                               <a:latin typeface="Cambria Math" panose="02040503050406030204" pitchFamily="18" charset="0"/>
                               <a:sym typeface="Source Sans Pro Light"/>
                             </a:rPr>
@@ -4859,7 +4845,7 @@
                           <m:box>
                             <m:boxPr>
                               <m:ctrlPr>
-                                <a:rPr lang="en-US" sz="1050" b="0" smtClean="0">
+                                <a:rPr lang="en-US" sz="1050" b="0" i="1" smtClean="0">
                                   <a:latin typeface="Cambria Math" panose="02040503050406030204" pitchFamily="18" charset="0"/>
                                   <a:sym typeface="Source Sans Pro Light"/>
                                 </a:rPr>
@@ -4873,7 +4859,7 @@
                                 <m:radPr>
                                   <m:degHide m:val="on"/>
                                   <m:ctrlPr>
-                                    <a:rPr lang="en-US" sz="1050" b="0" smtClean="0">
+                                    <a:rPr lang="en-US" sz="1050" b="0" i="1" smtClean="0">
                                       <a:latin typeface="Cambria Math" panose="02040503050406030204" pitchFamily="18" charset="0"/>
                                       <a:sym typeface="Source Sans Pro Light"/>
                                     </a:rPr>
@@ -4884,7 +4870,7 @@
                                   <m:sSubSup>
                                     <m:sSubSupPr>
                                       <m:ctrlPr>
-                                        <a:rPr lang="en-US" sz="1050" b="0" smtClean="0">
+                                        <a:rPr lang="en-US" sz="1050" b="0" i="1" smtClean="0">
                                           <a:latin typeface="Cambria Math" panose="02040503050406030204" pitchFamily="18" charset="0"/>
                                           <a:sym typeface="Source Sans Pro Light"/>
                                         </a:rPr>
@@ -4927,7 +4913,7 @@
                                   <m:d>
                                     <m:dPr>
                                       <m:ctrlPr>
-                                        <a:rPr lang="en-US" sz="1050" b="0" smtClean="0">
+                                        <a:rPr lang="en-US" sz="1050" b="0" i="1" smtClean="0">
                                           <a:latin typeface="Cambria Math" panose="02040503050406030204" pitchFamily="18" charset="0"/>
                                           <a:sym typeface="Source Sans Pro Light"/>
                                         </a:rPr>
@@ -4937,7 +4923,7 @@
                                       <m:f>
                                         <m:fPr>
                                           <m:ctrlPr>
-                                            <a:rPr lang="en-US" sz="1050" b="0" smtClean="0">
+                                            <a:rPr lang="en-US" sz="1050" b="0" i="1" smtClean="0">
                                               <a:latin typeface="Cambria Math" panose="02040503050406030204" pitchFamily="18" charset="0"/>
                                               <a:sym typeface="Source Sans Pro Light"/>
                                             </a:rPr>
@@ -4956,7 +4942,7 @@
                                           <m:sSub>
                                             <m:sSubPr>
                                               <m:ctrlPr>
-                                                <a:rPr lang="en-US" sz="1050" b="0" smtClean="0">
+                                                <a:rPr lang="en-US" sz="1050" b="0" i="1" smtClean="0">
                                                   <a:latin typeface="Cambria Math" panose="02040503050406030204" pitchFamily="18" charset="0"/>
                                                   <a:sym typeface="Source Sans Pro Light"/>
                                                 </a:rPr>
@@ -4996,7 +4982,7 @@
                                       <m:f>
                                         <m:fPr>
                                           <m:ctrlPr>
-                                            <a:rPr lang="en-US" sz="1050">
+                                            <a:rPr lang="en-US" sz="1050" i="1">
                                               <a:latin typeface="Cambria Math" panose="02040503050406030204" pitchFamily="18" charset="0"/>
                                               <a:sym typeface="Source Sans Pro Light"/>
                                             </a:rPr>
@@ -5015,7 +5001,7 @@
                                           <m:sSub>
                                             <m:sSubPr>
                                               <m:ctrlPr>
-                                                <a:rPr lang="en-US" sz="1050">
+                                                <a:rPr lang="en-US" sz="1050" i="1">
                                                   <a:latin typeface="Cambria Math" panose="02040503050406030204" pitchFamily="18" charset="0"/>
                                                   <a:sym typeface="Source Sans Pro Light"/>
                                                 </a:rPr>
@@ -5069,7 +5055,7 @@
                       <m:sSubSup>
                         <m:sSubSupPr>
                           <m:ctrlPr>
-                            <a:rPr lang="en-US" sz="1050" smtClean="0">
+                            <a:rPr lang="en-US" sz="1050" i="1" smtClean="0">
                               <a:latin typeface="Cambria Math" panose="02040503050406030204" pitchFamily="18" charset="0"/>
                               <a:sym typeface="Source Sans Pro Light"/>
                             </a:rPr>
@@ -5119,7 +5105,7 @@
                       <m:f>
                         <m:fPr>
                           <m:ctrlPr>
-                            <a:rPr lang="en-US" sz="1050" b="0" smtClean="0">
+                            <a:rPr lang="en-US" sz="1050" b="0" i="1" smtClean="0">
                               <a:latin typeface="Cambria Math" panose="02040503050406030204" pitchFamily="18" charset="0"/>
                               <a:sym typeface="Source Sans Pro Light"/>
                             </a:rPr>
@@ -5129,7 +5115,7 @@
                           <m:d>
                             <m:dPr>
                               <m:ctrlPr>
-                                <a:rPr lang="en-US" sz="1050" b="0" smtClean="0">
+                                <a:rPr lang="en-US" sz="1050" b="0" i="1" smtClean="0">
                                   <a:latin typeface="Cambria Math" panose="02040503050406030204" pitchFamily="18" charset="0"/>
                                   <a:sym typeface="Source Sans Pro Light"/>
                                 </a:rPr>
@@ -5139,7 +5125,7 @@
                               <m:sSub>
                                 <m:sSubPr>
                                   <m:ctrlPr>
-                                    <a:rPr lang="en-US" sz="1050" b="0" smtClean="0">
+                                    <a:rPr lang="en-US" sz="1050" b="0" i="1" smtClean="0">
                                       <a:latin typeface="Cambria Math" panose="02040503050406030204" pitchFamily="18" charset="0"/>
                                       <a:sym typeface="Source Sans Pro Light"/>
                                     </a:rPr>
@@ -5179,7 +5165,7 @@
                           <m:sSubSup>
                             <m:sSubSupPr>
                               <m:ctrlPr>
-                                <a:rPr lang="en-US" sz="1050" b="0" smtClean="0">
+                                <a:rPr lang="en-US" sz="1050" b="0" i="1" smtClean="0">
                                   <a:latin typeface="Cambria Math" panose="02040503050406030204" pitchFamily="18" charset="0"/>
                                   <a:sym typeface="Source Sans Pro Light"/>
                                 </a:rPr>
@@ -5226,7 +5212,7 @@
                           <m:d>
                             <m:dPr>
                               <m:ctrlPr>
-                                <a:rPr lang="en-US" sz="1050">
+                                <a:rPr lang="en-US" sz="1050" i="1">
                                   <a:latin typeface="Cambria Math" panose="02040503050406030204" pitchFamily="18" charset="0"/>
                                   <a:sym typeface="Source Sans Pro Light"/>
                                 </a:rPr>
@@ -5236,7 +5222,7 @@
                               <m:sSub>
                                 <m:sSubPr>
                                   <m:ctrlPr>
-                                    <a:rPr lang="en-US" sz="1050">
+                                    <a:rPr lang="en-US" sz="1050" i="1">
                                       <a:latin typeface="Cambria Math" panose="02040503050406030204" pitchFamily="18" charset="0"/>
                                       <a:sym typeface="Source Sans Pro Light"/>
                                     </a:rPr>
@@ -5276,7 +5262,7 @@
                           <m:sSubSup>
                             <m:sSubSupPr>
                               <m:ctrlPr>
-                                <a:rPr lang="en-US" sz="1050">
+                                <a:rPr lang="en-US" sz="1050" i="1">
                                   <a:latin typeface="Cambria Math" panose="02040503050406030204" pitchFamily="18" charset="0"/>
                                   <a:sym typeface="Source Sans Pro Light"/>
                                 </a:rPr>
@@ -5318,7 +5304,7 @@
                           <m:sSub>
                             <m:sSubPr>
                               <m:ctrlPr>
-                                <a:rPr lang="en-US" sz="1050">
+                                <a:rPr lang="en-US" sz="1050" i="1">
                                   <a:latin typeface="Cambria Math" panose="02040503050406030204" pitchFamily="18" charset="0"/>
                                   <a:sym typeface="Source Sans Pro Light"/>
                                 </a:rPr>
@@ -5356,7 +5342,7 @@
                           <m:sSub>
                             <m:sSubPr>
                               <m:ctrlPr>
-                                <a:rPr lang="en-US" sz="1050" smtClean="0">
+                                <a:rPr lang="en-US" sz="1050" i="1" smtClean="0">
                                   <a:latin typeface="Cambria Math" panose="02040503050406030204" pitchFamily="18" charset="0"/>
                                   <a:sym typeface="Source Sans Pro Light"/>
                                 </a:rPr>
@@ -5452,7 +5438,7 @@
                       <m:d>
                         <m:dPr>
                           <m:ctrlPr>
-                            <a:rPr lang="en-US" sz="1050">
+                            <a:rPr lang="en-US" sz="1050" i="1">
                               <a:latin typeface="Cambria Math" panose="02040503050406030204" pitchFamily="18" charset="0"/>
                               <a:sym typeface="Source Sans Pro Light"/>
                             </a:rPr>
@@ -5462,7 +5448,7 @@
                           <m:sSub>
                             <m:sSubPr>
                               <m:ctrlPr>
-                                <a:rPr lang="en-US" sz="1050">
+                                <a:rPr lang="en-US" sz="1050" i="1">
                                   <a:latin typeface="Cambria Math" panose="02040503050406030204" pitchFamily="18" charset="0"/>
                                   <a:sym typeface="Source Sans Pro Light"/>
                                 </a:rPr>
@@ -5473,7 +5459,7 @@
                                 <m:accPr>
                                   <m:chr m:val="̅"/>
                                   <m:ctrlPr>
-                                    <a:rPr lang="en-US" sz="1050">
+                                    <a:rPr lang="en-US" sz="1050" i="1">
                                       <a:latin typeface="Cambria Math" panose="02040503050406030204" pitchFamily="18" charset="0"/>
                                       <a:sym typeface="Source Sans Pro Light"/>
                                     </a:rPr>
@@ -5513,7 +5499,7 @@
                           <m:sSub>
                             <m:sSubPr>
                               <m:ctrlPr>
-                                <a:rPr lang="en-US" sz="1050">
+                                <a:rPr lang="en-US" sz="1050" i="1">
                                   <a:latin typeface="Cambria Math" panose="02040503050406030204" pitchFamily="18" charset="0"/>
                                   <a:sym typeface="Source Sans Pro Light"/>
                                 </a:rPr>
@@ -5524,7 +5510,7 @@
                                 <m:accPr>
                                   <m:chr m:val="̅"/>
                                   <m:ctrlPr>
-                                    <a:rPr lang="en-US" sz="1050">
+                                    <a:rPr lang="en-US" sz="1050" i="1">
                                       <a:latin typeface="Cambria Math" panose="02040503050406030204" pitchFamily="18" charset="0"/>
                                       <a:sym typeface="Source Sans Pro Light"/>
                                     </a:rPr>
@@ -5566,7 +5552,7 @@
                       <m:sSup>
                         <m:sSupPr>
                           <m:ctrlPr>
-                            <a:rPr lang="en-US" sz="1050" smtClean="0">
+                            <a:rPr lang="en-US" sz="1050" i="1" smtClean="0">
                               <a:latin typeface="Cambria Math" panose="02040503050406030204" pitchFamily="18" charset="0"/>
                               <a:ea typeface="Cambria Math" panose="02040503050406030204" pitchFamily="18" charset="0"/>
                               <a:sym typeface="Source Sans Pro Light"/>
@@ -5601,7 +5587,7 @@
                         <m:radPr>
                           <m:degHide m:val="on"/>
                           <m:ctrlPr>
-                            <a:rPr lang="en-US" sz="1050">
+                            <a:rPr lang="en-US" sz="1050" i="1">
                               <a:latin typeface="Cambria Math" panose="02040503050406030204" pitchFamily="18" charset="0"/>
                               <a:sym typeface="Source Sans Pro Light"/>
                             </a:rPr>
@@ -5612,7 +5598,7 @@
                           <m:sSubSup>
                             <m:sSubSupPr>
                               <m:ctrlPr>
-                                <a:rPr lang="en-US" sz="1050">
+                                <a:rPr lang="en-US" sz="1050" i="1">
                                   <a:latin typeface="Cambria Math" panose="02040503050406030204" pitchFamily="18" charset="0"/>
                                   <a:sym typeface="Source Sans Pro Light"/>
                                 </a:rPr>
@@ -5655,7 +5641,7 @@
                           <m:d>
                             <m:dPr>
                               <m:ctrlPr>
-                                <a:rPr lang="en-US" sz="1050">
+                                <a:rPr lang="en-US" sz="1050" i="1">
                                   <a:latin typeface="Cambria Math" panose="02040503050406030204" pitchFamily="18" charset="0"/>
                                   <a:sym typeface="Source Sans Pro Light"/>
                                 </a:rPr>
@@ -5665,7 +5651,7 @@
                               <m:f>
                                 <m:fPr>
                                   <m:ctrlPr>
-                                    <a:rPr lang="en-US" sz="1050">
+                                    <a:rPr lang="en-US" sz="1050" i="1">
                                       <a:latin typeface="Cambria Math" panose="02040503050406030204" pitchFamily="18" charset="0"/>
                                       <a:sym typeface="Source Sans Pro Light"/>
                                     </a:rPr>
@@ -5684,7 +5670,7 @@
                                   <m:sSub>
                                     <m:sSubPr>
                                       <m:ctrlPr>
-                                        <a:rPr lang="en-US" sz="1050">
+                                        <a:rPr lang="en-US" sz="1050" i="1">
                                           <a:latin typeface="Cambria Math" panose="02040503050406030204" pitchFamily="18" charset="0"/>
                                           <a:sym typeface="Source Sans Pro Light"/>
                                         </a:rPr>
@@ -5724,7 +5710,7 @@
                               <m:f>
                                 <m:fPr>
                                   <m:ctrlPr>
-                                    <a:rPr lang="en-US" sz="1050">
+                                    <a:rPr lang="en-US" sz="1050" i="1">
                                       <a:latin typeface="Cambria Math" panose="02040503050406030204" pitchFamily="18" charset="0"/>
                                       <a:sym typeface="Source Sans Pro Light"/>
                                     </a:rPr>
@@ -5743,7 +5729,7 @@
                                   <m:sSub>
                                     <m:sSubPr>
                                       <m:ctrlPr>
-                                        <a:rPr lang="en-US" sz="1050">
+                                        <a:rPr lang="en-US" sz="1050" i="1">
                                           <a:latin typeface="Cambria Math" panose="02040503050406030204" pitchFamily="18" charset="0"/>
                                           <a:sym typeface="Source Sans Pro Light"/>
                                         </a:rPr>
@@ -5936,22 +5922,22 @@
                     <a:t>1) Individuals in </a:t>
                   </a:r>
                   <a:r>
-                    <a:rPr lang="en-US" sz="900" dirty="0" err="1" smtClean="0">
-                      <a:latin typeface="Source Sans Pro Light"/>
-                      <a:ea typeface="Source Sans Pro Light"/>
-                      <a:cs typeface="Source Sans Pro Light"/>
-                      <a:sym typeface="Source Sans Pro Light"/>
-                    </a:rPr>
-                    <a:t>popns</a:t>
-                  </a:r>
-                  <a:r>
                     <a:rPr lang="en-US" sz="900" dirty="0" smtClean="0">
                       <a:latin typeface="Source Sans Pro Light"/>
                       <a:ea typeface="Source Sans Pro Light"/>
                       <a:cs typeface="Source Sans Pro Light"/>
                       <a:sym typeface="Source Sans Pro Light"/>
                     </a:rPr>
-                    <a:t> are independent</a:t>
+                    <a:t>populations </a:t>
+                  </a:r>
+                  <a:r>
+                    <a:rPr lang="en-US" sz="900" dirty="0" smtClean="0">
+                      <a:latin typeface="Source Sans Pro Light"/>
+                      <a:ea typeface="Source Sans Pro Light"/>
+                      <a:cs typeface="Source Sans Pro Light"/>
+                      <a:sym typeface="Source Sans Pro Light"/>
+                    </a:rPr>
+                    <a:t>are independent</a:t>
                   </a:r>
                 </a:p>
                 <a:p>
@@ -6001,12 +5987,6 @@
                     </a:rPr>
                     <a:t> Test)</a:t>
                   </a:r>
-                  <a:endParaRPr lang="en-US" sz="900" dirty="0" smtClean="0">
-                    <a:latin typeface="Source Sans Pro Light"/>
-                    <a:ea typeface="Source Sans Pro Light"/>
-                    <a:cs typeface="Source Sans Pro Light"/>
-                    <a:sym typeface="Source Sans Pro Light"/>
-                  </a:endParaRPr>
                 </a:p>
                 <a:p>
                   <a:pPr algn="l">
@@ -6035,7 +6015,16 @@
                       <a:cs typeface="Source Sans Pro Light"/>
                       <a:sym typeface="Source Sans Pro Light"/>
                     </a:rPr>
-                    <a:t> 3) n</a:t>
+                    <a:t> 3) </a:t>
+                  </a:r>
+                  <a:r>
+                    <a:rPr lang="en-US" sz="900" dirty="0" smtClean="0">
+                      <a:latin typeface="Source Sans Pro Light"/>
+                      <a:ea typeface="Source Sans Pro Light"/>
+                      <a:cs typeface="Source Sans Pro Light"/>
+                      <a:sym typeface="Source Sans Pro Light"/>
+                    </a:rPr>
+                    <a:t>n</a:t>
                   </a:r>
                   <a:r>
                     <a:rPr lang="en-US" sz="900" baseline="-25000" dirty="0" smtClean="0">
@@ -6062,7 +6051,7 @@
                       <a:cs typeface="Source Sans Pro Light"/>
                       <a:sym typeface="Source Sans Pro Light"/>
                     </a:rPr>
-                    <a:t>2</a:t>
+                    <a:t>2 </a:t>
                   </a:r>
                   <a:r>
                     <a:rPr lang="en-US" sz="900" u="sng" dirty="0" smtClean="0">
@@ -6080,7 +6069,16 @@
                       <a:cs typeface="Source Sans Pro Light"/>
                       <a:sym typeface="Source Sans Pro Light"/>
                     </a:rPr>
-                    <a:t>40, n</a:t>
+                    <a:t>40, </a:t>
+                  </a:r>
+                  <a:r>
+                    <a:rPr lang="en-US" sz="900" dirty="0" smtClean="0">
+                      <a:latin typeface="Source Sans Pro Light"/>
+                      <a:ea typeface="Source Sans Pro Light"/>
+                      <a:cs typeface="Source Sans Pro Light"/>
+                      <a:sym typeface="Source Sans Pro Light"/>
+                    </a:rPr>
+                    <a:t>n</a:t>
                   </a:r>
                   <a:r>
                     <a:rPr lang="en-US" sz="900" baseline="-25000" dirty="0" smtClean="0">
@@ -6107,7 +6105,7 @@
                       <a:cs typeface="Source Sans Pro Light"/>
                       <a:sym typeface="Source Sans Pro Light"/>
                     </a:rPr>
-                    <a:t>2</a:t>
+                    <a:t>2 </a:t>
                   </a:r>
                   <a:r>
                     <a:rPr lang="en-US" sz="900" u="sng" dirty="0" smtClean="0">
@@ -6155,7 +6153,25 @@
                       <a:cs typeface="Source Sans Pro Light"/>
                       <a:sym typeface="Source Sans Pro Light"/>
                     </a:rPr>
-                    <a:t>             Both histograms are normal</a:t>
+                    <a:t>             </a:t>
+                  </a:r>
+                  <a:r>
+                    <a:rPr lang="en-US" sz="900" dirty="0" smtClean="0">
+                      <a:latin typeface="Source Sans Pro Light"/>
+                      <a:ea typeface="Source Sans Pro Light"/>
+                      <a:cs typeface="Source Sans Pro Light"/>
+                      <a:sym typeface="Source Sans Pro Light"/>
+                    </a:rPr>
+                    <a:t>both </a:t>
+                  </a:r>
+                  <a:r>
+                    <a:rPr lang="en-US" sz="900" dirty="0" smtClean="0">
+                      <a:latin typeface="Source Sans Pro Light"/>
+                      <a:ea typeface="Source Sans Pro Light"/>
+                      <a:cs typeface="Source Sans Pro Light"/>
+                      <a:sym typeface="Source Sans Pro Light"/>
+                    </a:rPr>
+                    <a:t>histograms are normal</a:t>
                   </a:r>
                   <a:endParaRPr lang="en-US" sz="900" dirty="0">
                     <a:latin typeface="Source Sans Pro Light"/>
@@ -6382,7 +6398,7 @@
             </a:ln>
             <a:extLst>
               <a:ext uri="{C572A759-6A51-4108-AA02-DFA0A04FC94B}">
-                <ma14:wrappingTextBoxFlag xmlns:ma14="http://schemas.microsoft.com/office/mac/drawingml/2011/main" xmlns="" val="1"/>
+                <ma14:wrappingTextBoxFlag xmlns="" xmlns:ma14="http://schemas.microsoft.com/office/mac/drawingml/2011/main" val="1"/>
               </a:ext>
             </a:extLst>
           </p:spPr>
@@ -6436,8 +6452,8 @@
             <a:chExt cx="4393984" cy="1463239"/>
           </a:xfrm>
         </p:grpSpPr>
-        <mc:AlternateContent xmlns:mc="http://schemas.openxmlformats.org/markup-compatibility/2006">
-          <mc:Choice xmlns:a14="http://schemas.microsoft.com/office/drawing/2010/main" Requires="a14">
+        <mc:AlternateContent xmlns:mc="http://schemas.openxmlformats.org/markup-compatibility/2006" xmlns:a14="http://schemas.microsoft.com/office/drawing/2010/main">
+          <mc:Choice Requires="a14">
             <p:sp>
               <p:nvSpPr>
                 <p:cNvPr id="59" name="Shape 34"/>
@@ -6686,7 +6702,7 @@
                       <m:f>
                         <m:fPr>
                           <m:ctrlPr>
-                            <a:rPr lang="en-US" sz="1100" b="0" smtClean="0">
+                            <a:rPr lang="en-US" sz="1100" b="0" i="1" smtClean="0">
                               <a:latin typeface="Cambria Math" panose="02040503050406030204" pitchFamily="18" charset="0"/>
                               <a:sym typeface="Source Sans Pro Light"/>
                             </a:rPr>
@@ -6697,7 +6713,7 @@
                             <m:accPr>
                               <m:chr m:val="̅"/>
                               <m:ctrlPr>
-                                <a:rPr lang="en-US" sz="1100" b="0" smtClean="0">
+                                <a:rPr lang="en-US" sz="1100" b="0" i="1" smtClean="0">
                                   <a:latin typeface="Cambria Math" panose="02040503050406030204" pitchFamily="18" charset="0"/>
                                   <a:sym typeface="Source Sans Pro Light"/>
                                 </a:rPr>
@@ -6726,7 +6742,7 @@
                           <m:sSub>
                             <m:sSubPr>
                               <m:ctrlPr>
-                                <a:rPr lang="en-US" sz="1100" b="0" smtClean="0">
+                                <a:rPr lang="en-US" sz="1100" b="0" i="1" smtClean="0">
                                   <a:latin typeface="Cambria Math" panose="02040503050406030204" pitchFamily="18" charset="0"/>
                                   <a:sym typeface="Source Sans Pro Light"/>
                                 </a:rPr>
@@ -6760,7 +6776,7 @@
                           <m:box>
                             <m:boxPr>
                               <m:ctrlPr>
-                                <a:rPr lang="en-US" sz="1100" b="0" smtClean="0">
+                                <a:rPr lang="en-US" sz="1100" b="0" i="1" smtClean="0">
                                   <a:latin typeface="Cambria Math" panose="02040503050406030204" pitchFamily="18" charset="0"/>
                                   <a:sym typeface="Source Sans Pro Light"/>
                                 </a:rPr>
@@ -6773,7 +6789,7 @@
                               <m:f>
                                 <m:fPr>
                                   <m:ctrlPr>
-                                    <a:rPr lang="en-US" sz="1100" b="0" smtClean="0">
+                                    <a:rPr lang="en-US" sz="1100" b="0" i="1" smtClean="0">
                                       <a:latin typeface="Cambria Math" panose="02040503050406030204" pitchFamily="18" charset="0"/>
                                       <a:sym typeface="Source Sans Pro Light"/>
                                     </a:rPr>
@@ -6835,7 +6851,7 @@
                         <m:accPr>
                           <m:chr m:val="̅"/>
                           <m:ctrlPr>
-                            <a:rPr lang="en-US" sz="1200">
+                            <a:rPr lang="en-US" sz="1200" i="1">
                               <a:latin typeface="Cambria Math" panose="02040503050406030204" pitchFamily="18" charset="0"/>
                               <a:sym typeface="Source Sans Pro Light"/>
                             </a:rPr>
@@ -6864,7 +6880,7 @@
                       <m:sSup>
                         <m:sSupPr>
                           <m:ctrlPr>
-                            <a:rPr lang="en-US" sz="1200" smtClean="0">
+                            <a:rPr lang="en-US" sz="1200" i="1" smtClean="0">
                               <a:latin typeface="Cambria Math" panose="02040503050406030204" pitchFamily="18" charset="0"/>
                               <a:ea typeface="Cambria Math" panose="02040503050406030204" pitchFamily="18" charset="0"/>
                               <a:sym typeface="Source Sans Pro Light"/>
@@ -6898,7 +6914,7 @@
                       <m:f>
                         <m:fPr>
                           <m:ctrlPr>
-                            <a:rPr lang="en-US" sz="1200" smtClean="0">
+                            <a:rPr lang="en-US" sz="1200" i="1" smtClean="0">
                               <a:latin typeface="Cambria Math" panose="02040503050406030204" pitchFamily="18" charset="0"/>
                               <a:ea typeface="Cambria Math" panose="02040503050406030204" pitchFamily="18" charset="0"/>
                               <a:sym typeface="Source Sans Pro Light"/>
@@ -7184,7 +7200,7 @@
               </p:txBody>
             </p:sp>
           </mc:Choice>
-          <mc:Fallback>
+          <mc:Fallback xmlns="">
             <p:sp>
               <p:nvSpPr>
                 <p:cNvPr id="59" name="Shape 34"/>
@@ -7252,7 +7268,7 @@
             </a:ln>
             <a:extLst>
               <a:ext uri="{C572A759-6A51-4108-AA02-DFA0A04FC94B}">
-                <ma14:wrappingTextBoxFlag xmlns:ma14="http://schemas.microsoft.com/office/mac/drawingml/2011/main" xmlns="" val="1"/>
+                <ma14:wrappingTextBoxFlag xmlns="" xmlns:ma14="http://schemas.microsoft.com/office/mac/drawingml/2011/main" val="1"/>
               </a:ext>
             </a:extLst>
           </p:spPr>
@@ -7390,7 +7406,7 @@
                       <a:cs typeface="Source Sans Pro Light"/>
                       <a:sym typeface="Source Sans Pro Light"/>
                     </a:rPr>
-                    <a:t>indivs</a:t>
+                    <a:t>individs</a:t>
                   </a:r>
                   <a:r>
                     <a:rPr lang="en-US" sz="900" dirty="0" smtClean="0">
@@ -7399,7 +7415,16 @@
                       <a:cs typeface="Source Sans Pro Light"/>
                       <a:sym typeface="Source Sans Pro Light"/>
                     </a:rPr>
-                    <a:t> into response levels follows the theoretical distribution”</a:t>
+                    <a:t> </a:t>
+                  </a:r>
+                  <a:r>
+                    <a:rPr lang="en-US" sz="900" dirty="0" smtClean="0">
+                      <a:latin typeface="Source Sans Pro Light"/>
+                      <a:ea typeface="Source Sans Pro Light"/>
+                      <a:cs typeface="Source Sans Pro Light"/>
+                      <a:sym typeface="Source Sans Pro Light"/>
+                    </a:rPr>
+                    <a:t>into response levels follows the theoretical distribution”</a:t>
                   </a:r>
                 </a:p>
                 <a:p>
@@ -7465,7 +7490,7 @@
                       <a:cs typeface="Source Sans Pro Light"/>
                       <a:sym typeface="Source Sans Pro Light"/>
                     </a:rPr>
-                    <a:t>indivs</a:t>
+                    <a:t>indivuals</a:t>
                   </a:r>
                   <a:r>
                     <a:rPr lang="en-US" sz="900" dirty="0" smtClean="0">
@@ -7474,7 +7499,16 @@
                       <a:cs typeface="Source Sans Pro Light"/>
                       <a:sym typeface="Source Sans Pro Light"/>
                     </a:rPr>
-                    <a:t> into </a:t>
+                    <a:t> </a:t>
+                  </a:r>
+                  <a:r>
+                    <a:rPr lang="en-US" sz="900" dirty="0" smtClean="0">
+                      <a:latin typeface="Source Sans Pro Light"/>
+                      <a:ea typeface="Source Sans Pro Light"/>
+                      <a:cs typeface="Source Sans Pro Light"/>
+                      <a:sym typeface="Source Sans Pro Light"/>
+                    </a:rPr>
+                    <a:t>into </a:t>
                   </a:r>
                   <a:r>
                     <a:rPr lang="en-US" sz="900" dirty="0">
@@ -7658,7 +7692,7 @@
                       <m:sSup>
                         <m:sSupPr>
                           <m:ctrlPr>
-                            <a:rPr lang="en-US" sz="900" b="1" smtClean="0">
+                            <a:rPr lang="en-US" sz="900" b="1" i="1" smtClean="0">
                               <a:latin typeface="Cambria Math" panose="02040503050406030204" pitchFamily="18" charset="0"/>
                               <a:sym typeface="Source Sans Pro Light"/>
                             </a:rPr>
@@ -7697,7 +7731,7 @@
                           <m:subHide m:val="on"/>
                           <m:supHide m:val="on"/>
                           <m:ctrlPr>
-                            <a:rPr lang="en-US" sz="900" b="1" smtClean="0">
+                            <a:rPr lang="en-US" sz="900" b="1" i="1" smtClean="0">
                               <a:latin typeface="Cambria Math" panose="02040503050406030204" pitchFamily="18" charset="0"/>
                               <a:sym typeface="Source Sans Pro Light"/>
                             </a:rPr>
@@ -7709,7 +7743,7 @@
                           <m:f>
                             <m:fPr>
                               <m:ctrlPr>
-                                <a:rPr lang="en-US" sz="900" b="1" smtClean="0">
+                                <a:rPr lang="en-US" sz="900" b="1" i="1" smtClean="0">
                                   <a:latin typeface="Cambria Math" panose="02040503050406030204" pitchFamily="18" charset="0"/>
                                   <a:sym typeface="Source Sans Pro Light"/>
                                 </a:rPr>
@@ -7719,7 +7753,7 @@
                               <m:sSup>
                                 <m:sSupPr>
                                   <m:ctrlPr>
-                                    <a:rPr lang="en-US" sz="900" b="1" smtClean="0">
+                                    <a:rPr lang="en-US" sz="900" b="1" i="1" smtClean="0">
                                       <a:latin typeface="Cambria Math" panose="02040503050406030204" pitchFamily="18" charset="0"/>
                                       <a:sym typeface="Source Sans Pro Light"/>
                                     </a:rPr>
@@ -7729,7 +7763,7 @@
                                   <m:d>
                                     <m:dPr>
                                       <m:ctrlPr>
-                                        <a:rPr lang="en-US" sz="900" b="1" smtClean="0">
+                                        <a:rPr lang="en-US" sz="900" b="1" i="1" smtClean="0">
                                           <a:latin typeface="Cambria Math" panose="02040503050406030204" pitchFamily="18" charset="0"/>
                                           <a:sym typeface="Source Sans Pro Light"/>
                                         </a:rPr>
@@ -7819,16 +7853,7 @@
                       <a:cs typeface="Source Sans Pro Light"/>
                       <a:sym typeface="Source Sans Pro Light"/>
                     </a:rPr>
-                    <a:t>cell</a:t>
-                  </a:r>
-                  <a:r>
-                    <a:rPr lang="en-US" sz="900" dirty="0" smtClean="0">
-                      <a:latin typeface="Source Sans Pro Light"/>
-                      <a:ea typeface="Source Sans Pro Light"/>
-                      <a:cs typeface="Source Sans Pro Light"/>
-                      <a:sym typeface="Source Sans Pro Light"/>
-                    </a:rPr>
-                    <a:t>s-1</a:t>
+                    <a:t>cells-1</a:t>
                   </a:r>
                 </a:p>
                 <a:p>
@@ -8160,7 +8185,7 @@
             </a:ln>
             <a:extLst>
               <a:ext uri="{C572A759-6A51-4108-AA02-DFA0A04FC94B}">
-                <ma14:wrappingTextBoxFlag xmlns:ma14="http://schemas.microsoft.com/office/mac/drawingml/2011/main" xmlns="" val="1"/>
+                <ma14:wrappingTextBoxFlag xmlns="" xmlns:ma14="http://schemas.microsoft.com/office/mac/drawingml/2011/main" val="1"/>
               </a:ext>
             </a:extLst>
           </p:spPr>
@@ -8267,8 +8292,8 @@
         </p:nvSpPr>
         <p:spPr>
           <a:xfrm>
-            <a:off x="2353048" y="654641"/>
-            <a:ext cx="1264260" cy="152737"/>
+            <a:off x="2351445" y="654641"/>
+            <a:ext cx="1267465" cy="152737"/>
           </a:xfrm>
           <a:prstGeom prst="rect">
             <a:avLst/>
@@ -8319,7 +8344,7 @@
                 </a:solidFill>
                 <a:latin typeface="Source Sans Pro Light"/>
               </a:rPr>
-              <a:t>Dec-16</a:t>
+              <a:t>Nov-17</a:t>
             </a:r>
             <a:endParaRPr lang="en-US" sz="600" b="1" dirty="0">
               <a:solidFill>
@@ -8461,16 +8486,7 @@
                   <a:cs typeface="Source Sans Pro Light"/>
                   <a:sym typeface="Source Sans Pro Light"/>
                 </a:rPr>
-                <a:t>., otherwise</a:t>
-              </a:r>
-              <a:r>
-                <a:rPr lang="en-US" sz="1200" dirty="0" smtClean="0">
-                  <a:latin typeface="Source Sans Pro Light"/>
-                  <a:ea typeface="Source Sans Pro Light"/>
-                  <a:cs typeface="Source Sans Pro Light"/>
-                  <a:sym typeface="Source Sans Pro Light"/>
-                </a:rPr>
-                <a:t> </a:t>
+                <a:t>., otherwise </a:t>
               </a:r>
               <a:r>
                 <a:rPr lang="en-US" sz="1200" b="1" dirty="0" smtClean="0">
@@ -8541,7 +8557,7 @@
             </a:ln>
             <a:extLst>
               <a:ext uri="{C572A759-6A51-4108-AA02-DFA0A04FC94B}">
-                <ma14:wrappingTextBoxFlag xmlns:ma14="http://schemas.microsoft.com/office/mac/drawingml/2011/main" xmlns="" val="1"/>
+                <ma14:wrappingTextBoxFlag xmlns="" xmlns:ma14="http://schemas.microsoft.com/office/mac/drawingml/2011/main" val="1"/>
               </a:ext>
             </a:extLst>
           </p:spPr>
@@ -8607,6 +8623,1249 @@
         <p:cTn id="1" dur="indefinite" restart="never" nodeType="tmRoot"/>
       </p:par>
     </p:tnLst>
+  </p:timing>
+</p:sld>
+</file>
+
+<file path=ppt/slides/slide2.xml><?xml version="1.0" encoding="utf-8"?>
+<p:sld xmlns:a="http://schemas.openxmlformats.org/drawingml/2006/main" xmlns:r="http://schemas.openxmlformats.org/officeDocument/2006/relationships" xmlns:p="http://schemas.openxmlformats.org/presentationml/2006/main">
+  <p:cSld>
+    <p:spTree>
+      <p:nvGrpSpPr>
+        <p:cNvPr id="1" name=""/>
+        <p:cNvGrpSpPr/>
+        <p:nvPr/>
+      </p:nvGrpSpPr>
+      <p:grpSpPr>
+        <a:xfrm>
+          <a:off x="0" y="0"/>
+          <a:ext cx="0" cy="0"/>
+          <a:chOff x="0" y="0"/>
+          <a:chExt cx="0" cy="0"/>
+        </a:xfrm>
+      </p:grpSpPr>
+      <p:sp>
+        <p:nvSpPr>
+          <p:cNvPr id="2" name="Rectangle 5"/>
+          <p:cNvSpPr txBox="1">
+            <a:spLocks noChangeArrowheads="1"/>
+          </p:cNvSpPr>
+          <p:nvPr/>
+        </p:nvSpPr>
+        <p:spPr>
+          <a:xfrm rot="16200000">
+            <a:off x="-854953" y="1627239"/>
+            <a:ext cx="6882578" cy="3628103"/>
+          </a:xfrm>
+          <a:prstGeom prst="rect">
+            <a:avLst/>
+          </a:prstGeom>
+        </p:spPr>
+        <p:txBody>
+          <a:bodyPr/>
+          <a:lstStyle>
+            <a:lvl1pPr marL="257145" indent="-257145" defTabSz="320174">
+              <a:spcBef>
+                <a:spcPts val="2302"/>
+              </a:spcBef>
+              <a:buSzPct val="75000"/>
+              <a:buChar char="•"/>
+              <a:defRPr sz="2083">
+                <a:latin typeface="+mn-lt"/>
+                <a:ea typeface="+mn-ea"/>
+                <a:cs typeface="+mn-cs"/>
+                <a:sym typeface="Helvetica Light"/>
+              </a:defRPr>
+            </a:lvl1pPr>
+            <a:lvl2pPr marL="500755" indent="-257145" defTabSz="320174">
+              <a:spcBef>
+                <a:spcPts val="2302"/>
+              </a:spcBef>
+              <a:buSzPct val="75000"/>
+              <a:buChar char="•"/>
+              <a:defRPr sz="2083">
+                <a:latin typeface="+mn-lt"/>
+                <a:ea typeface="+mn-ea"/>
+                <a:cs typeface="+mn-cs"/>
+                <a:sym typeface="Helvetica Light"/>
+              </a:defRPr>
+            </a:lvl2pPr>
+            <a:lvl3pPr marL="744367" indent="-257145" defTabSz="320174">
+              <a:spcBef>
+                <a:spcPts val="2302"/>
+              </a:spcBef>
+              <a:buSzPct val="75000"/>
+              <a:buChar char="•"/>
+              <a:defRPr sz="2083">
+                <a:latin typeface="+mn-lt"/>
+                <a:ea typeface="+mn-ea"/>
+                <a:cs typeface="+mn-cs"/>
+                <a:sym typeface="Helvetica Light"/>
+              </a:defRPr>
+            </a:lvl3pPr>
+            <a:lvl4pPr marL="987977" indent="-257145" defTabSz="320174">
+              <a:spcBef>
+                <a:spcPts val="2302"/>
+              </a:spcBef>
+              <a:buSzPct val="75000"/>
+              <a:buChar char="•"/>
+              <a:defRPr sz="2083">
+                <a:latin typeface="+mn-lt"/>
+                <a:ea typeface="+mn-ea"/>
+                <a:cs typeface="+mn-cs"/>
+                <a:sym typeface="Helvetica Light"/>
+              </a:defRPr>
+            </a:lvl4pPr>
+            <a:lvl5pPr marL="1231588" indent="-257145" defTabSz="320174">
+              <a:spcBef>
+                <a:spcPts val="2302"/>
+              </a:spcBef>
+              <a:buSzPct val="75000"/>
+              <a:buChar char="•"/>
+              <a:defRPr sz="2083">
+                <a:latin typeface="+mn-lt"/>
+                <a:ea typeface="+mn-ea"/>
+                <a:cs typeface="+mn-cs"/>
+                <a:sym typeface="Helvetica Light"/>
+              </a:defRPr>
+            </a:lvl5pPr>
+            <a:lvl6pPr marL="1475199" indent="-257145" defTabSz="320174">
+              <a:spcBef>
+                <a:spcPts val="2302"/>
+              </a:spcBef>
+              <a:buSzPct val="75000"/>
+              <a:buChar char="•"/>
+              <a:defRPr sz="2083">
+                <a:latin typeface="+mn-lt"/>
+                <a:ea typeface="+mn-ea"/>
+                <a:cs typeface="+mn-cs"/>
+                <a:sym typeface="Helvetica Light"/>
+              </a:defRPr>
+            </a:lvl6pPr>
+            <a:lvl7pPr marL="1718809" indent="-257145" defTabSz="320174">
+              <a:spcBef>
+                <a:spcPts val="2302"/>
+              </a:spcBef>
+              <a:buSzPct val="75000"/>
+              <a:buChar char="•"/>
+              <a:defRPr sz="2083">
+                <a:latin typeface="+mn-lt"/>
+                <a:ea typeface="+mn-ea"/>
+                <a:cs typeface="+mn-cs"/>
+                <a:sym typeface="Helvetica Light"/>
+              </a:defRPr>
+            </a:lvl7pPr>
+            <a:lvl8pPr marL="1962420" indent="-257145" defTabSz="320174">
+              <a:spcBef>
+                <a:spcPts val="2302"/>
+              </a:spcBef>
+              <a:buSzPct val="75000"/>
+              <a:buChar char="•"/>
+              <a:defRPr sz="2083">
+                <a:latin typeface="+mn-lt"/>
+                <a:ea typeface="+mn-ea"/>
+                <a:cs typeface="+mn-cs"/>
+                <a:sym typeface="Helvetica Light"/>
+              </a:defRPr>
+            </a:lvl8pPr>
+            <a:lvl9pPr marL="2206031" indent="-257145" defTabSz="320174">
+              <a:spcBef>
+                <a:spcPts val="2302"/>
+              </a:spcBef>
+              <a:buSzPct val="75000"/>
+              <a:buChar char="•"/>
+              <a:defRPr sz="2083">
+                <a:latin typeface="+mn-lt"/>
+                <a:ea typeface="+mn-ea"/>
+                <a:cs typeface="+mn-cs"/>
+                <a:sym typeface="Helvetica Light"/>
+              </a:defRPr>
+            </a:lvl9pPr>
+          </a:lstStyle>
+          <a:p>
+            <a:pPr marL="609600" indent="-609600" algn="l">
+              <a:spcBef>
+                <a:spcPts val="600"/>
+              </a:spcBef>
+              <a:buFontTx/>
+              <a:buNone/>
+            </a:pPr>
+            <a:r>
+              <a:rPr lang="en-US" sz="1600" b="1" dirty="0" smtClean="0">
+                <a:solidFill>
+                  <a:schemeClr val="accent1"/>
+                </a:solidFill>
+              </a:rPr>
+              <a:t>  1) </a:t>
+            </a:r>
+            <a:r>
+              <a:rPr lang="en-US" sz="1600" dirty="0" smtClean="0"/>
+              <a:t>State the rejection criterion (</a:t>
+            </a:r>
+            <a:r>
+              <a:rPr lang="en-US" sz="1600" dirty="0" smtClean="0">
+                <a:latin typeface="Symbol" pitchFamily="18" charset="2"/>
+              </a:rPr>
+              <a:t>a</a:t>
+            </a:r>
+            <a:r>
+              <a:rPr lang="en-US" sz="1600" dirty="0" smtClean="0"/>
+              <a:t>)</a:t>
+            </a:r>
+          </a:p>
+          <a:p>
+            <a:pPr marL="609600" indent="-609600" algn="l">
+              <a:spcBef>
+                <a:spcPts val="600"/>
+              </a:spcBef>
+              <a:buFontTx/>
+              <a:buNone/>
+            </a:pPr>
+            <a:r>
+              <a:rPr lang="en-US" sz="1600" b="1" dirty="0" smtClean="0">
+                <a:solidFill>
+                  <a:schemeClr val="accent1"/>
+                </a:solidFill>
+              </a:rPr>
+              <a:t>  2)</a:t>
+            </a:r>
+            <a:r>
+              <a:rPr lang="en-US" sz="1600" dirty="0" smtClean="0"/>
+              <a:t> State the null &amp; alternative hypotheses and define the parameter(s)</a:t>
+            </a:r>
+          </a:p>
+          <a:p>
+            <a:pPr marL="609600" indent="-609600" algn="l">
+              <a:spcBef>
+                <a:spcPts val="600"/>
+              </a:spcBef>
+              <a:buFontTx/>
+              <a:buNone/>
+            </a:pPr>
+            <a:r>
+              <a:rPr lang="en-US" sz="1600" b="1" dirty="0" smtClean="0">
+                <a:solidFill>
+                  <a:schemeClr val="accent1"/>
+                </a:solidFill>
+              </a:rPr>
+              <a:t>  3)</a:t>
+            </a:r>
+            <a:r>
+              <a:rPr lang="en-US" sz="1600" dirty="0" smtClean="0"/>
+              <a:t> Determine which test to perform – Explain!</a:t>
+            </a:r>
+          </a:p>
+          <a:p>
+            <a:pPr marL="609600" indent="-609600" algn="l">
+              <a:spcBef>
+                <a:spcPts val="600"/>
+              </a:spcBef>
+              <a:buFontTx/>
+              <a:buNone/>
+            </a:pPr>
+            <a:r>
+              <a:rPr lang="en-US" sz="1600" b="1" dirty="0" smtClean="0">
+                <a:solidFill>
+                  <a:schemeClr val="accent1"/>
+                </a:solidFill>
+              </a:rPr>
+              <a:t>  4)</a:t>
+            </a:r>
+            <a:r>
+              <a:rPr lang="en-US" sz="1600" dirty="0" smtClean="0"/>
+              <a:t> Collect the data (address type of study and randomization)</a:t>
+            </a:r>
+          </a:p>
+          <a:p>
+            <a:pPr marL="609600" indent="-609600" algn="l">
+              <a:spcBef>
+                <a:spcPts val="600"/>
+              </a:spcBef>
+              <a:buFontTx/>
+              <a:buNone/>
+            </a:pPr>
+            <a:r>
+              <a:rPr lang="en-US" sz="1600" b="1" dirty="0" smtClean="0">
+                <a:solidFill>
+                  <a:schemeClr val="accent1"/>
+                </a:solidFill>
+              </a:rPr>
+              <a:t>  5)</a:t>
+            </a:r>
+            <a:r>
+              <a:rPr lang="en-US" sz="1600" dirty="0" smtClean="0"/>
+              <a:t> Check all necessary assumption(s)</a:t>
+            </a:r>
+          </a:p>
+          <a:p>
+            <a:pPr marL="609600" indent="-609600" algn="l">
+              <a:spcBef>
+                <a:spcPts val="600"/>
+              </a:spcBef>
+              <a:buFontTx/>
+              <a:buNone/>
+            </a:pPr>
+            <a:r>
+              <a:rPr lang="en-US" sz="1600" b="1" dirty="0" smtClean="0">
+                <a:solidFill>
+                  <a:schemeClr val="accent1"/>
+                </a:solidFill>
+              </a:rPr>
+              <a:t>  6)</a:t>
+            </a:r>
+            <a:r>
+              <a:rPr lang="en-US" sz="1600" dirty="0" smtClean="0"/>
+              <a:t> Calculate the appropriate statistic(s)</a:t>
+            </a:r>
+          </a:p>
+          <a:p>
+            <a:pPr marL="609600" indent="-609600" algn="l">
+              <a:spcBef>
+                <a:spcPts val="600"/>
+              </a:spcBef>
+              <a:buFontTx/>
+              <a:buNone/>
+            </a:pPr>
+            <a:r>
+              <a:rPr lang="en-US" sz="1600" b="1" dirty="0" smtClean="0">
+                <a:solidFill>
+                  <a:schemeClr val="accent1"/>
+                </a:solidFill>
+              </a:rPr>
+              <a:t>  7)</a:t>
+            </a:r>
+            <a:r>
+              <a:rPr lang="en-US" sz="1600" dirty="0" smtClean="0"/>
+              <a:t> Calculate the appropriate test statistic</a:t>
+            </a:r>
+          </a:p>
+          <a:p>
+            <a:pPr marL="609600" indent="-609600" algn="l">
+              <a:spcBef>
+                <a:spcPts val="600"/>
+              </a:spcBef>
+              <a:buFontTx/>
+              <a:buNone/>
+            </a:pPr>
+            <a:r>
+              <a:rPr lang="en-US" sz="1600" b="1" dirty="0" smtClean="0">
+                <a:solidFill>
+                  <a:schemeClr val="accent1"/>
+                </a:solidFill>
+              </a:rPr>
+              <a:t>  8)</a:t>
+            </a:r>
+            <a:r>
+              <a:rPr lang="en-US" sz="1600" dirty="0" smtClean="0"/>
+              <a:t> Calculate the p-value</a:t>
+            </a:r>
+          </a:p>
+          <a:p>
+            <a:pPr marL="609600" indent="-609600" algn="l">
+              <a:spcBef>
+                <a:spcPts val="600"/>
+              </a:spcBef>
+              <a:buFontTx/>
+              <a:buNone/>
+            </a:pPr>
+            <a:r>
+              <a:rPr lang="en-US" sz="1600" b="1" dirty="0" smtClean="0">
+                <a:solidFill>
+                  <a:schemeClr val="accent1"/>
+                </a:solidFill>
+              </a:rPr>
+              <a:t>  9)</a:t>
+            </a:r>
+            <a:r>
+              <a:rPr lang="en-US" sz="1600" dirty="0" smtClean="0"/>
+              <a:t> State your rejection decision</a:t>
+            </a:r>
+          </a:p>
+          <a:p>
+            <a:pPr marL="609600" indent="-609600" algn="l">
+              <a:spcBef>
+                <a:spcPts val="600"/>
+              </a:spcBef>
+              <a:buFontTx/>
+              <a:buNone/>
+            </a:pPr>
+            <a:r>
+              <a:rPr lang="en-US" sz="1600" b="1" dirty="0" smtClean="0">
+                <a:solidFill>
+                  <a:schemeClr val="accent1"/>
+                </a:solidFill>
+              </a:rPr>
+              <a:t>10)</a:t>
+            </a:r>
+            <a:r>
+              <a:rPr lang="en-US" sz="1600" dirty="0" smtClean="0"/>
+              <a:t> Summarize your findings in terms of the problem </a:t>
+            </a:r>
+          </a:p>
+          <a:p>
+            <a:pPr marL="609600" indent="-609600" algn="l">
+              <a:spcBef>
+                <a:spcPts val="600"/>
+              </a:spcBef>
+              <a:buFontTx/>
+              <a:buNone/>
+            </a:pPr>
+            <a:r>
+              <a:rPr lang="en-US" sz="1600" b="1" dirty="0" smtClean="0">
+                <a:solidFill>
+                  <a:schemeClr val="accent1"/>
+                </a:solidFill>
+              </a:rPr>
+              <a:t>11) </a:t>
+            </a:r>
+            <a:r>
+              <a:rPr lang="en-US" sz="1600" b="1" dirty="0" smtClean="0"/>
+              <a:t>If rejected H</a:t>
+            </a:r>
+            <a:r>
+              <a:rPr lang="en-US" sz="1600" b="1" baseline="-25000" dirty="0" smtClean="0"/>
+              <a:t>0</a:t>
+            </a:r>
+            <a:r>
+              <a:rPr lang="en-US" sz="1600" b="1" dirty="0" smtClean="0"/>
+              <a:t>, </a:t>
+            </a:r>
+            <a:r>
+              <a:rPr lang="en-US" sz="1600" dirty="0" smtClean="0"/>
+              <a:t>compute a </a:t>
+            </a:r>
+            <a:r>
+              <a:rPr lang="en-US" sz="1600" b="1" dirty="0" smtClean="0"/>
+              <a:t>100(1-</a:t>
+            </a:r>
+            <a:r>
+              <a:rPr lang="en-US" sz="1600" b="1" dirty="0" smtClean="0">
+                <a:latin typeface="Symbol" pitchFamily="18" charset="2"/>
+              </a:rPr>
+              <a:t>a</a:t>
+            </a:r>
+            <a:r>
+              <a:rPr lang="en-US" sz="1600" b="1" dirty="0" smtClean="0"/>
+              <a:t>)%</a:t>
+            </a:r>
+            <a:r>
+              <a:rPr lang="en-US" sz="1600" dirty="0" smtClean="0"/>
+              <a:t> </a:t>
+            </a:r>
+            <a:r>
+              <a:rPr lang="en-US" sz="1600" i="1" dirty="0" smtClean="0"/>
+              <a:t>confidence region</a:t>
+            </a:r>
+            <a:r>
+              <a:rPr lang="en-US" sz="1600" dirty="0" smtClean="0"/>
+              <a:t> for  parameter</a:t>
+            </a:r>
+            <a:endParaRPr lang="en-US" sz="1600" dirty="0"/>
+          </a:p>
+        </p:txBody>
+      </p:sp>
+      <p:sp>
+        <p:nvSpPr>
+          <p:cNvPr id="3" name="Shape 37"/>
+          <p:cNvSpPr txBox="1">
+            <a:spLocks/>
+          </p:cNvSpPr>
+          <p:nvPr/>
+        </p:nvSpPr>
+        <p:spPr>
+          <a:xfrm rot="16200000">
+            <a:off x="-2981733" y="3103984"/>
+            <a:ext cx="6863571" cy="644462"/>
+          </a:xfrm>
+          <a:prstGeom prst="rect">
+            <a:avLst/>
+          </a:prstGeom>
+          <a:effectLst>
+            <a:outerShdw blurRad="25400" dist="25400" dir="2700000" algn="tl" rotWithShape="0">
+              <a:prstClr val="black">
+                <a:alpha val="10000"/>
+              </a:prstClr>
+            </a:outerShdw>
+          </a:effectLst>
+        </p:spPr>
+        <p:txBody>
+          <a:bodyPr>
+            <a:noAutofit/>
+          </a:bodyPr>
+          <a:lstStyle>
+            <a:lvl1pPr algn="ctr" defTabSz="320174">
+              <a:defRPr sz="4823">
+                <a:latin typeface="+mn-lt"/>
+                <a:ea typeface="+mn-ea"/>
+                <a:cs typeface="+mn-cs"/>
+                <a:sym typeface="Helvetica Light"/>
+              </a:defRPr>
+            </a:lvl1pPr>
+            <a:lvl2pPr indent="125285" algn="ctr" defTabSz="320174">
+              <a:defRPr sz="4823">
+                <a:latin typeface="+mn-lt"/>
+                <a:ea typeface="+mn-ea"/>
+                <a:cs typeface="+mn-cs"/>
+                <a:sym typeface="Helvetica Light"/>
+              </a:defRPr>
+            </a:lvl2pPr>
+            <a:lvl3pPr indent="250571" algn="ctr" defTabSz="320174">
+              <a:defRPr sz="4823">
+                <a:latin typeface="+mn-lt"/>
+                <a:ea typeface="+mn-ea"/>
+                <a:cs typeface="+mn-cs"/>
+                <a:sym typeface="Helvetica Light"/>
+              </a:defRPr>
+            </a:lvl3pPr>
+            <a:lvl4pPr indent="375857" algn="ctr" defTabSz="320174">
+              <a:defRPr sz="4823">
+                <a:latin typeface="+mn-lt"/>
+                <a:ea typeface="+mn-ea"/>
+                <a:cs typeface="+mn-cs"/>
+                <a:sym typeface="Helvetica Light"/>
+              </a:defRPr>
+            </a:lvl4pPr>
+            <a:lvl5pPr indent="501142" algn="ctr" defTabSz="320174">
+              <a:defRPr sz="4823">
+                <a:latin typeface="+mn-lt"/>
+                <a:ea typeface="+mn-ea"/>
+                <a:cs typeface="+mn-cs"/>
+                <a:sym typeface="Helvetica Light"/>
+              </a:defRPr>
+            </a:lvl5pPr>
+            <a:lvl6pPr indent="626428" algn="ctr" defTabSz="320174">
+              <a:defRPr sz="4823">
+                <a:latin typeface="+mn-lt"/>
+                <a:ea typeface="+mn-ea"/>
+                <a:cs typeface="+mn-cs"/>
+                <a:sym typeface="Helvetica Light"/>
+              </a:defRPr>
+            </a:lvl6pPr>
+            <a:lvl7pPr indent="751714" algn="ctr" defTabSz="320174">
+              <a:defRPr sz="4823">
+                <a:latin typeface="+mn-lt"/>
+                <a:ea typeface="+mn-ea"/>
+                <a:cs typeface="+mn-cs"/>
+                <a:sym typeface="Helvetica Light"/>
+              </a:defRPr>
+            </a:lvl7pPr>
+            <a:lvl8pPr indent="876999" algn="ctr" defTabSz="320174">
+              <a:defRPr sz="4823">
+                <a:latin typeface="+mn-lt"/>
+                <a:ea typeface="+mn-ea"/>
+                <a:cs typeface="+mn-cs"/>
+                <a:sym typeface="Helvetica Light"/>
+              </a:defRPr>
+            </a:lvl8pPr>
+            <a:lvl9pPr indent="1002285" algn="ctr" defTabSz="320174">
+              <a:defRPr sz="4823">
+                <a:latin typeface="+mn-lt"/>
+                <a:ea typeface="+mn-ea"/>
+                <a:cs typeface="+mn-cs"/>
+                <a:sym typeface="Helvetica Light"/>
+              </a:defRPr>
+            </a:lvl9pPr>
+          </a:lstStyle>
+          <a:p>
+            <a:pPr defTabSz="153683">
+              <a:lnSpc>
+                <a:spcPct val="80000"/>
+              </a:lnSpc>
+              <a:defRPr sz="1800"/>
+            </a:pPr>
+            <a:r>
+              <a:rPr lang="en-US" sz="3200" b="1" cap="small" dirty="0" smtClean="0">
+                <a:solidFill>
+                  <a:srgbClr val="53585F"/>
+                </a:solidFill>
+                <a:latin typeface="Source Sans Pro Semibold"/>
+                <a:ea typeface="Source Sans Pro"/>
+                <a:cs typeface="Source Sans Pro"/>
+                <a:sym typeface="Source Sans Pro"/>
+              </a:rPr>
+              <a:t>11 Steps for Any Hypothesis Test</a:t>
+            </a:r>
+            <a:endParaRPr lang="en-US" sz="3200" b="1" cap="small" dirty="0">
+              <a:solidFill>
+                <a:srgbClr val="53585F"/>
+              </a:solidFill>
+              <a:latin typeface="Source Sans Pro Semibold"/>
+              <a:ea typeface="Source Sans Pro Light"/>
+              <a:cs typeface="Source Sans Pro Light"/>
+              <a:sym typeface="Source Sans Pro Light"/>
+            </a:endParaRPr>
+          </a:p>
+        </p:txBody>
+      </p:sp>
+    </p:spTree>
+    <p:extLst>
+      <p:ext uri="{BB962C8B-B14F-4D97-AF65-F5344CB8AC3E}">
+        <p14:creationId xmlns:p14="http://schemas.microsoft.com/office/powerpoint/2010/main" val="3724629040"/>
+      </p:ext>
+    </p:extLst>
+  </p:cSld>
+  <p:clrMapOvr>
+    <a:masterClrMapping/>
+  </p:clrMapOvr>
+  <p:transition spd="med"/>
+  <p:timing>
+    <p:tnLst>
+      <p:par>
+        <p:cTn id="1" dur="indefinite" restart="never" nodeType="tmRoot">
+          <p:childTnLst>
+            <p:seq concurrent="1" nextAc="seek">
+              <p:cTn id="2" dur="indefinite" nodeType="mainSeq">
+                <p:childTnLst>
+                  <p:par>
+                    <p:cTn id="3" fill="hold">
+                      <p:stCondLst>
+                        <p:cond delay="indefinite"/>
+                      </p:stCondLst>
+                      <p:childTnLst>
+                        <p:par>
+                          <p:cTn id="4" fill="hold">
+                            <p:stCondLst>
+                              <p:cond delay="0"/>
+                            </p:stCondLst>
+                            <p:childTnLst>
+                              <p:par>
+                                <p:cTn id="5" presetID="10" presetClass="entr" presetSubtype="0" fill="hold" grpId="0" nodeType="clickEffect">
+                                  <p:stCondLst>
+                                    <p:cond delay="0"/>
+                                  </p:stCondLst>
+                                  <p:childTnLst>
+                                    <p:set>
+                                      <p:cBhvr>
+                                        <p:cTn id="6" dur="1" fill="hold">
+                                          <p:stCondLst>
+                                            <p:cond delay="0"/>
+                                          </p:stCondLst>
+                                        </p:cTn>
+                                        <p:tgtEl>
+                                          <p:spTgt spid="2">
+                                            <p:txEl>
+                                              <p:pRg st="0" end="0"/>
+                                            </p:txEl>
+                                          </p:spTgt>
+                                        </p:tgtEl>
+                                        <p:attrNameLst>
+                                          <p:attrName>style.visibility</p:attrName>
+                                        </p:attrNameLst>
+                                      </p:cBhvr>
+                                      <p:to>
+                                        <p:strVal val="visible"/>
+                                      </p:to>
+                                    </p:set>
+                                    <p:animEffect transition="in" filter="fade">
+                                      <p:cBhvr>
+                                        <p:cTn id="7" dur="1000"/>
+                                        <p:tgtEl>
+                                          <p:spTgt spid="2">
+                                            <p:txEl>
+                                              <p:pRg st="0" end="0"/>
+                                            </p:txEl>
+                                          </p:spTgt>
+                                        </p:tgtEl>
+                                      </p:cBhvr>
+                                    </p:animEffect>
+                                  </p:childTnLst>
+                                </p:cTn>
+                              </p:par>
+                            </p:childTnLst>
+                          </p:cTn>
+                        </p:par>
+                        <p:par>
+                          <p:cTn id="8" fill="hold">
+                            <p:stCondLst>
+                              <p:cond delay="1000"/>
+                            </p:stCondLst>
+                            <p:childTnLst>
+                              <p:par>
+                                <p:cTn id="9" presetID="10" presetClass="entr" presetSubtype="0" fill="hold" grpId="0" nodeType="afterEffect">
+                                  <p:stCondLst>
+                                    <p:cond delay="0"/>
+                                  </p:stCondLst>
+                                  <p:childTnLst>
+                                    <p:set>
+                                      <p:cBhvr>
+                                        <p:cTn id="10" dur="1" fill="hold">
+                                          <p:stCondLst>
+                                            <p:cond delay="0"/>
+                                          </p:stCondLst>
+                                        </p:cTn>
+                                        <p:tgtEl>
+                                          <p:spTgt spid="2">
+                                            <p:txEl>
+                                              <p:pRg st="1" end="1"/>
+                                            </p:txEl>
+                                          </p:spTgt>
+                                        </p:tgtEl>
+                                        <p:attrNameLst>
+                                          <p:attrName>style.visibility</p:attrName>
+                                        </p:attrNameLst>
+                                      </p:cBhvr>
+                                      <p:to>
+                                        <p:strVal val="visible"/>
+                                      </p:to>
+                                    </p:set>
+                                    <p:animEffect transition="in" filter="fade">
+                                      <p:cBhvr>
+                                        <p:cTn id="11" dur="1000"/>
+                                        <p:tgtEl>
+                                          <p:spTgt spid="2">
+                                            <p:txEl>
+                                              <p:pRg st="1" end="1"/>
+                                            </p:txEl>
+                                          </p:spTgt>
+                                        </p:tgtEl>
+                                      </p:cBhvr>
+                                    </p:animEffect>
+                                  </p:childTnLst>
+                                </p:cTn>
+                              </p:par>
+                            </p:childTnLst>
+                          </p:cTn>
+                        </p:par>
+                        <p:par>
+                          <p:cTn id="12" fill="hold">
+                            <p:stCondLst>
+                              <p:cond delay="2000"/>
+                            </p:stCondLst>
+                            <p:childTnLst>
+                              <p:par>
+                                <p:cTn id="13" presetID="10" presetClass="entr" presetSubtype="0" fill="hold" grpId="0" nodeType="afterEffect">
+                                  <p:stCondLst>
+                                    <p:cond delay="0"/>
+                                  </p:stCondLst>
+                                  <p:childTnLst>
+                                    <p:set>
+                                      <p:cBhvr>
+                                        <p:cTn id="14" dur="1" fill="hold">
+                                          <p:stCondLst>
+                                            <p:cond delay="0"/>
+                                          </p:stCondLst>
+                                        </p:cTn>
+                                        <p:tgtEl>
+                                          <p:spTgt spid="2">
+                                            <p:txEl>
+                                              <p:pRg st="2" end="2"/>
+                                            </p:txEl>
+                                          </p:spTgt>
+                                        </p:tgtEl>
+                                        <p:attrNameLst>
+                                          <p:attrName>style.visibility</p:attrName>
+                                        </p:attrNameLst>
+                                      </p:cBhvr>
+                                      <p:to>
+                                        <p:strVal val="visible"/>
+                                      </p:to>
+                                    </p:set>
+                                    <p:animEffect transition="in" filter="fade">
+                                      <p:cBhvr>
+                                        <p:cTn id="15" dur="1000"/>
+                                        <p:tgtEl>
+                                          <p:spTgt spid="2">
+                                            <p:txEl>
+                                              <p:pRg st="2" end="2"/>
+                                            </p:txEl>
+                                          </p:spTgt>
+                                        </p:tgtEl>
+                                      </p:cBhvr>
+                                    </p:animEffect>
+                                  </p:childTnLst>
+                                </p:cTn>
+                              </p:par>
+                            </p:childTnLst>
+                          </p:cTn>
+                        </p:par>
+                      </p:childTnLst>
+                    </p:cTn>
+                  </p:par>
+                  <p:par>
+                    <p:cTn id="16" fill="hold">
+                      <p:stCondLst>
+                        <p:cond delay="indefinite"/>
+                      </p:stCondLst>
+                      <p:childTnLst>
+                        <p:par>
+                          <p:cTn id="17" fill="hold">
+                            <p:stCondLst>
+                              <p:cond delay="0"/>
+                            </p:stCondLst>
+                            <p:childTnLst>
+                              <p:par>
+                                <p:cTn id="18" presetID="10" presetClass="entr" presetSubtype="0" fill="hold" grpId="0" nodeType="clickEffect">
+                                  <p:stCondLst>
+                                    <p:cond delay="0"/>
+                                  </p:stCondLst>
+                                  <p:childTnLst>
+                                    <p:set>
+                                      <p:cBhvr>
+                                        <p:cTn id="19" dur="1" fill="hold">
+                                          <p:stCondLst>
+                                            <p:cond delay="0"/>
+                                          </p:stCondLst>
+                                        </p:cTn>
+                                        <p:tgtEl>
+                                          <p:spTgt spid="2">
+                                            <p:txEl>
+                                              <p:pRg st="3" end="3"/>
+                                            </p:txEl>
+                                          </p:spTgt>
+                                        </p:tgtEl>
+                                        <p:attrNameLst>
+                                          <p:attrName>style.visibility</p:attrName>
+                                        </p:attrNameLst>
+                                      </p:cBhvr>
+                                      <p:to>
+                                        <p:strVal val="visible"/>
+                                      </p:to>
+                                    </p:set>
+                                    <p:animEffect transition="in" filter="fade">
+                                      <p:cBhvr>
+                                        <p:cTn id="20" dur="1000"/>
+                                        <p:tgtEl>
+                                          <p:spTgt spid="2">
+                                            <p:txEl>
+                                              <p:pRg st="3" end="3"/>
+                                            </p:txEl>
+                                          </p:spTgt>
+                                        </p:tgtEl>
+                                      </p:cBhvr>
+                                    </p:animEffect>
+                                  </p:childTnLst>
+                                </p:cTn>
+                              </p:par>
+                            </p:childTnLst>
+                          </p:cTn>
+                        </p:par>
+                      </p:childTnLst>
+                    </p:cTn>
+                  </p:par>
+                  <p:par>
+                    <p:cTn id="21" fill="hold">
+                      <p:stCondLst>
+                        <p:cond delay="indefinite"/>
+                      </p:stCondLst>
+                      <p:childTnLst>
+                        <p:par>
+                          <p:cTn id="22" fill="hold">
+                            <p:stCondLst>
+                              <p:cond delay="0"/>
+                            </p:stCondLst>
+                            <p:childTnLst>
+                              <p:par>
+                                <p:cTn id="23" presetID="10" presetClass="entr" presetSubtype="0" fill="hold" grpId="0" nodeType="clickEffect">
+                                  <p:stCondLst>
+                                    <p:cond delay="0"/>
+                                  </p:stCondLst>
+                                  <p:childTnLst>
+                                    <p:set>
+                                      <p:cBhvr>
+                                        <p:cTn id="24" dur="1" fill="hold">
+                                          <p:stCondLst>
+                                            <p:cond delay="0"/>
+                                          </p:stCondLst>
+                                        </p:cTn>
+                                        <p:tgtEl>
+                                          <p:spTgt spid="2">
+                                            <p:txEl>
+                                              <p:pRg st="4" end="4"/>
+                                            </p:txEl>
+                                          </p:spTgt>
+                                        </p:tgtEl>
+                                        <p:attrNameLst>
+                                          <p:attrName>style.visibility</p:attrName>
+                                        </p:attrNameLst>
+                                      </p:cBhvr>
+                                      <p:to>
+                                        <p:strVal val="visible"/>
+                                      </p:to>
+                                    </p:set>
+                                    <p:animEffect transition="in" filter="fade">
+                                      <p:cBhvr>
+                                        <p:cTn id="25" dur="1000"/>
+                                        <p:tgtEl>
+                                          <p:spTgt spid="2">
+                                            <p:txEl>
+                                              <p:pRg st="4" end="4"/>
+                                            </p:txEl>
+                                          </p:spTgt>
+                                        </p:tgtEl>
+                                      </p:cBhvr>
+                                    </p:animEffect>
+                                  </p:childTnLst>
+                                </p:cTn>
+                              </p:par>
+                            </p:childTnLst>
+                          </p:cTn>
+                        </p:par>
+                      </p:childTnLst>
+                    </p:cTn>
+                  </p:par>
+                  <p:par>
+                    <p:cTn id="26" fill="hold">
+                      <p:stCondLst>
+                        <p:cond delay="indefinite"/>
+                      </p:stCondLst>
+                      <p:childTnLst>
+                        <p:par>
+                          <p:cTn id="27" fill="hold">
+                            <p:stCondLst>
+                              <p:cond delay="0"/>
+                            </p:stCondLst>
+                            <p:childTnLst>
+                              <p:par>
+                                <p:cTn id="28" presetID="10" presetClass="entr" presetSubtype="0" fill="hold" grpId="0" nodeType="clickEffect">
+                                  <p:stCondLst>
+                                    <p:cond delay="0"/>
+                                  </p:stCondLst>
+                                  <p:childTnLst>
+                                    <p:set>
+                                      <p:cBhvr>
+                                        <p:cTn id="29" dur="1" fill="hold">
+                                          <p:stCondLst>
+                                            <p:cond delay="0"/>
+                                          </p:stCondLst>
+                                        </p:cTn>
+                                        <p:tgtEl>
+                                          <p:spTgt spid="2">
+                                            <p:txEl>
+                                              <p:pRg st="5" end="5"/>
+                                            </p:txEl>
+                                          </p:spTgt>
+                                        </p:tgtEl>
+                                        <p:attrNameLst>
+                                          <p:attrName>style.visibility</p:attrName>
+                                        </p:attrNameLst>
+                                      </p:cBhvr>
+                                      <p:to>
+                                        <p:strVal val="visible"/>
+                                      </p:to>
+                                    </p:set>
+                                    <p:animEffect transition="in" filter="fade">
+                                      <p:cBhvr>
+                                        <p:cTn id="30" dur="1000"/>
+                                        <p:tgtEl>
+                                          <p:spTgt spid="2">
+                                            <p:txEl>
+                                              <p:pRg st="5" end="5"/>
+                                            </p:txEl>
+                                          </p:spTgt>
+                                        </p:tgtEl>
+                                      </p:cBhvr>
+                                    </p:animEffect>
+                                  </p:childTnLst>
+                                </p:cTn>
+                              </p:par>
+                            </p:childTnLst>
+                          </p:cTn>
+                        </p:par>
+                        <p:par>
+                          <p:cTn id="31" fill="hold">
+                            <p:stCondLst>
+                              <p:cond delay="1000"/>
+                            </p:stCondLst>
+                            <p:childTnLst>
+                              <p:par>
+                                <p:cTn id="32" presetID="10" presetClass="entr" presetSubtype="0" fill="hold" grpId="0" nodeType="afterEffect">
+                                  <p:stCondLst>
+                                    <p:cond delay="0"/>
+                                  </p:stCondLst>
+                                  <p:childTnLst>
+                                    <p:set>
+                                      <p:cBhvr>
+                                        <p:cTn id="33" dur="1" fill="hold">
+                                          <p:stCondLst>
+                                            <p:cond delay="0"/>
+                                          </p:stCondLst>
+                                        </p:cTn>
+                                        <p:tgtEl>
+                                          <p:spTgt spid="2">
+                                            <p:txEl>
+                                              <p:pRg st="6" end="6"/>
+                                            </p:txEl>
+                                          </p:spTgt>
+                                        </p:tgtEl>
+                                        <p:attrNameLst>
+                                          <p:attrName>style.visibility</p:attrName>
+                                        </p:attrNameLst>
+                                      </p:cBhvr>
+                                      <p:to>
+                                        <p:strVal val="visible"/>
+                                      </p:to>
+                                    </p:set>
+                                    <p:animEffect transition="in" filter="fade">
+                                      <p:cBhvr>
+                                        <p:cTn id="34" dur="1000"/>
+                                        <p:tgtEl>
+                                          <p:spTgt spid="2">
+                                            <p:txEl>
+                                              <p:pRg st="6" end="6"/>
+                                            </p:txEl>
+                                          </p:spTgt>
+                                        </p:tgtEl>
+                                      </p:cBhvr>
+                                    </p:animEffect>
+                                  </p:childTnLst>
+                                </p:cTn>
+                              </p:par>
+                            </p:childTnLst>
+                          </p:cTn>
+                        </p:par>
+                        <p:par>
+                          <p:cTn id="35" fill="hold">
+                            <p:stCondLst>
+                              <p:cond delay="2000"/>
+                            </p:stCondLst>
+                            <p:childTnLst>
+                              <p:par>
+                                <p:cTn id="36" presetID="10" presetClass="entr" presetSubtype="0" fill="hold" grpId="0" nodeType="afterEffect">
+                                  <p:stCondLst>
+                                    <p:cond delay="0"/>
+                                  </p:stCondLst>
+                                  <p:childTnLst>
+                                    <p:set>
+                                      <p:cBhvr>
+                                        <p:cTn id="37" dur="1" fill="hold">
+                                          <p:stCondLst>
+                                            <p:cond delay="0"/>
+                                          </p:stCondLst>
+                                        </p:cTn>
+                                        <p:tgtEl>
+                                          <p:spTgt spid="2">
+                                            <p:txEl>
+                                              <p:pRg st="7" end="7"/>
+                                            </p:txEl>
+                                          </p:spTgt>
+                                        </p:tgtEl>
+                                        <p:attrNameLst>
+                                          <p:attrName>style.visibility</p:attrName>
+                                        </p:attrNameLst>
+                                      </p:cBhvr>
+                                      <p:to>
+                                        <p:strVal val="visible"/>
+                                      </p:to>
+                                    </p:set>
+                                    <p:animEffect transition="in" filter="fade">
+                                      <p:cBhvr>
+                                        <p:cTn id="38" dur="1000"/>
+                                        <p:tgtEl>
+                                          <p:spTgt spid="2">
+                                            <p:txEl>
+                                              <p:pRg st="7" end="7"/>
+                                            </p:txEl>
+                                          </p:spTgt>
+                                        </p:tgtEl>
+                                      </p:cBhvr>
+                                    </p:animEffect>
+                                  </p:childTnLst>
+                                </p:cTn>
+                              </p:par>
+                            </p:childTnLst>
+                          </p:cTn>
+                        </p:par>
+                        <p:par>
+                          <p:cTn id="39" fill="hold">
+                            <p:stCondLst>
+                              <p:cond delay="3000"/>
+                            </p:stCondLst>
+                            <p:childTnLst>
+                              <p:par>
+                                <p:cTn id="40" presetID="10" presetClass="entr" presetSubtype="0" fill="hold" grpId="0" nodeType="afterEffect">
+                                  <p:stCondLst>
+                                    <p:cond delay="0"/>
+                                  </p:stCondLst>
+                                  <p:childTnLst>
+                                    <p:set>
+                                      <p:cBhvr>
+                                        <p:cTn id="41" dur="1" fill="hold">
+                                          <p:stCondLst>
+                                            <p:cond delay="0"/>
+                                          </p:stCondLst>
+                                        </p:cTn>
+                                        <p:tgtEl>
+                                          <p:spTgt spid="2">
+                                            <p:txEl>
+                                              <p:pRg st="8" end="8"/>
+                                            </p:txEl>
+                                          </p:spTgt>
+                                        </p:tgtEl>
+                                        <p:attrNameLst>
+                                          <p:attrName>style.visibility</p:attrName>
+                                        </p:attrNameLst>
+                                      </p:cBhvr>
+                                      <p:to>
+                                        <p:strVal val="visible"/>
+                                      </p:to>
+                                    </p:set>
+                                    <p:animEffect transition="in" filter="fade">
+                                      <p:cBhvr>
+                                        <p:cTn id="42" dur="1000"/>
+                                        <p:tgtEl>
+                                          <p:spTgt spid="2">
+                                            <p:txEl>
+                                              <p:pRg st="8" end="8"/>
+                                            </p:txEl>
+                                          </p:spTgt>
+                                        </p:tgtEl>
+                                      </p:cBhvr>
+                                    </p:animEffect>
+                                  </p:childTnLst>
+                                </p:cTn>
+                              </p:par>
+                            </p:childTnLst>
+                          </p:cTn>
+                        </p:par>
+                      </p:childTnLst>
+                    </p:cTn>
+                  </p:par>
+                  <p:par>
+                    <p:cTn id="43" fill="hold">
+                      <p:stCondLst>
+                        <p:cond delay="indefinite"/>
+                      </p:stCondLst>
+                      <p:childTnLst>
+                        <p:par>
+                          <p:cTn id="44" fill="hold">
+                            <p:stCondLst>
+                              <p:cond delay="0"/>
+                            </p:stCondLst>
+                            <p:childTnLst>
+                              <p:par>
+                                <p:cTn id="45" presetID="10" presetClass="entr" presetSubtype="0" fill="hold" grpId="0" nodeType="clickEffect">
+                                  <p:stCondLst>
+                                    <p:cond delay="0"/>
+                                  </p:stCondLst>
+                                  <p:childTnLst>
+                                    <p:set>
+                                      <p:cBhvr>
+                                        <p:cTn id="46" dur="1" fill="hold">
+                                          <p:stCondLst>
+                                            <p:cond delay="0"/>
+                                          </p:stCondLst>
+                                        </p:cTn>
+                                        <p:tgtEl>
+                                          <p:spTgt spid="2">
+                                            <p:txEl>
+                                              <p:pRg st="9" end="9"/>
+                                            </p:txEl>
+                                          </p:spTgt>
+                                        </p:tgtEl>
+                                        <p:attrNameLst>
+                                          <p:attrName>style.visibility</p:attrName>
+                                        </p:attrNameLst>
+                                      </p:cBhvr>
+                                      <p:to>
+                                        <p:strVal val="visible"/>
+                                      </p:to>
+                                    </p:set>
+                                    <p:animEffect transition="in" filter="fade">
+                                      <p:cBhvr>
+                                        <p:cTn id="47" dur="1000"/>
+                                        <p:tgtEl>
+                                          <p:spTgt spid="2">
+                                            <p:txEl>
+                                              <p:pRg st="9" end="9"/>
+                                            </p:txEl>
+                                          </p:spTgt>
+                                        </p:tgtEl>
+                                      </p:cBhvr>
+                                    </p:animEffect>
+                                  </p:childTnLst>
+                                </p:cTn>
+                              </p:par>
+                            </p:childTnLst>
+                          </p:cTn>
+                        </p:par>
+                      </p:childTnLst>
+                    </p:cTn>
+                  </p:par>
+                  <p:par>
+                    <p:cTn id="48" fill="hold">
+                      <p:stCondLst>
+                        <p:cond delay="indefinite"/>
+                      </p:stCondLst>
+                      <p:childTnLst>
+                        <p:par>
+                          <p:cTn id="49" fill="hold">
+                            <p:stCondLst>
+                              <p:cond delay="0"/>
+                            </p:stCondLst>
+                            <p:childTnLst>
+                              <p:par>
+                                <p:cTn id="50" presetID="10" presetClass="entr" presetSubtype="0" fill="hold" grpId="0" nodeType="clickEffect">
+                                  <p:stCondLst>
+                                    <p:cond delay="0"/>
+                                  </p:stCondLst>
+                                  <p:childTnLst>
+                                    <p:set>
+                                      <p:cBhvr>
+                                        <p:cTn id="51" dur="1" fill="hold">
+                                          <p:stCondLst>
+                                            <p:cond delay="0"/>
+                                          </p:stCondLst>
+                                        </p:cTn>
+                                        <p:tgtEl>
+                                          <p:spTgt spid="2">
+                                            <p:txEl>
+                                              <p:pRg st="10" end="10"/>
+                                            </p:txEl>
+                                          </p:spTgt>
+                                        </p:tgtEl>
+                                        <p:attrNameLst>
+                                          <p:attrName>style.visibility</p:attrName>
+                                        </p:attrNameLst>
+                                      </p:cBhvr>
+                                      <p:to>
+                                        <p:strVal val="visible"/>
+                                      </p:to>
+                                    </p:set>
+                                    <p:animEffect transition="in" filter="fade">
+                                      <p:cBhvr>
+                                        <p:cTn id="52" dur="1000"/>
+                                        <p:tgtEl>
+                                          <p:spTgt spid="2">
+                                            <p:txEl>
+                                              <p:pRg st="10" end="10"/>
+                                            </p:txEl>
+                                          </p:spTgt>
+                                        </p:tgtEl>
+                                      </p:cBhvr>
+                                    </p:animEffect>
+                                  </p:childTnLst>
+                                </p:cTn>
+                              </p:par>
+                            </p:childTnLst>
+                          </p:cTn>
+                        </p:par>
+                      </p:childTnLst>
+                    </p:cTn>
+                  </p:par>
+                </p:childTnLst>
+              </p:cTn>
+              <p:prevCondLst>
+                <p:cond evt="onPrev" delay="0">
+                  <p:tgtEl>
+                    <p:sldTgt/>
+                  </p:tgtEl>
+                </p:cond>
+              </p:prevCondLst>
+              <p:nextCondLst>
+                <p:cond evt="onNext" delay="0">
+                  <p:tgtEl>
+                    <p:sldTgt/>
+                  </p:tgtEl>
+                </p:cond>
+              </p:nextCondLst>
+            </p:seq>
+          </p:childTnLst>
+        </p:cTn>
+      </p:par>
+    </p:tnLst>
+    <p:bldLst>
+      <p:bldP spid="2" grpId="0" build="p" autoUpdateAnimBg="0"/>
+    </p:bldLst>
   </p:timing>
 </p:sld>
 </file>

--- a/resources/MTH107-HOcheatsheet.pptx
+++ b/resources/MTH107-HOcheatsheet.pptx
@@ -1493,7 +1493,7 @@
           </a:ln>
           <a:extLst>
             <a:ext uri="{C572A759-6A51-4108-AA02-DFA0A04FC94B}">
-              <ma14:wrappingTextBoxFlag xmlns="" xmlns:ma14="http://schemas.microsoft.com/office/mac/drawingml/2011/main" val="1"/>
+              <ma14:wrappingTextBoxFlag xmlns:ma14="http://schemas.microsoft.com/office/mac/drawingml/2011/main" xmlns="" val="1"/>
             </a:ext>
           </a:extLst>
         </p:spPr>
@@ -1536,7 +1536,7 @@
           </a:ln>
           <a:extLst>
             <a:ext uri="{C572A759-6A51-4108-AA02-DFA0A04FC94B}">
-              <ma14:wrappingTextBoxFlag xmlns="" xmlns:ma14="http://schemas.microsoft.com/office/mac/drawingml/2011/main" val="1"/>
+              <ma14:wrappingTextBoxFlag xmlns:ma14="http://schemas.microsoft.com/office/mac/drawingml/2011/main" xmlns="" val="1"/>
             </a:ext>
           </a:extLst>
         </p:spPr>
@@ -2026,8 +2026,8 @@
             <a:chExt cx="4393984" cy="1709195"/>
           </a:xfrm>
         </p:grpSpPr>
-        <mc:AlternateContent xmlns:mc="http://schemas.openxmlformats.org/markup-compatibility/2006">
-          <mc:Choice xmlns:a14="http://schemas.microsoft.com/office/drawing/2010/main" Requires="a14">
+        <mc:AlternateContent xmlns:mc="http://schemas.openxmlformats.org/markup-compatibility/2006" xmlns:a14="http://schemas.microsoft.com/office/drawing/2010/main">
+          <mc:Choice Requires="a14">
             <p:sp>
               <p:nvSpPr>
                 <p:cNvPr id="34" name="Shape 34"/>
@@ -2101,25 +2101,7 @@
                       <a:cs typeface="Source Sans Pro Light"/>
                       <a:sym typeface="Source Sans Pro Light"/>
                     </a:rPr>
-                    <a:t> “Distribution of </a:t>
-                  </a:r>
-                  <a:r>
-                    <a:rPr lang="en-US" sz="900" dirty="0" smtClean="0">
-                      <a:latin typeface="Source Sans Pro Light"/>
-                      <a:ea typeface="Source Sans Pro Light"/>
-                      <a:cs typeface="Source Sans Pro Light"/>
-                      <a:sym typeface="Source Sans Pro Light"/>
-                    </a:rPr>
-                    <a:t>individuals </a:t>
-                  </a:r>
-                  <a:r>
-                    <a:rPr lang="en-US" sz="900" dirty="0" smtClean="0">
-                      <a:latin typeface="Source Sans Pro Light"/>
-                      <a:ea typeface="Source Sans Pro Light"/>
-                      <a:cs typeface="Source Sans Pro Light"/>
-                      <a:sym typeface="Source Sans Pro Light"/>
-                    </a:rPr>
-                    <a:t>into response levels is the same for all populations”</a:t>
+                    <a:t> “Distribution of individuals into response levels is the same for all populations”</a:t>
                   </a:r>
                 </a:p>
                 <a:p>
@@ -2194,16 +2176,7 @@
                       <a:cs typeface="Source Sans Pro Light"/>
                       <a:sym typeface="Source Sans Pro Light"/>
                     </a:rPr>
-                    <a:t> </a:t>
-                  </a:r>
-                  <a:r>
-                    <a:rPr lang="en-US" sz="900" dirty="0" smtClean="0">
-                      <a:latin typeface="Source Sans Pro Light"/>
-                      <a:ea typeface="Source Sans Pro Light"/>
-                      <a:cs typeface="Source Sans Pro Light"/>
-                      <a:sym typeface="Source Sans Pro Light"/>
-                    </a:rPr>
-                    <a:t>into </a:t>
+                    <a:t> into </a:t>
                   </a:r>
                   <a:r>
                     <a:rPr lang="en-US" sz="900" dirty="0">
@@ -2716,7 +2689,7 @@
               </p:txBody>
             </p:sp>
           </mc:Choice>
-          <mc:Fallback>
+          <mc:Fallback xmlns="">
             <p:sp>
               <p:nvSpPr>
                 <p:cNvPr id="34" name="Shape 34"/>
@@ -2784,7 +2757,7 @@
             </a:ln>
             <a:extLst>
               <a:ext uri="{C572A759-6A51-4108-AA02-DFA0A04FC94B}">
-                <ma14:wrappingTextBoxFlag xmlns="" xmlns:ma14="http://schemas.microsoft.com/office/mac/drawingml/2011/main" val="1"/>
+                <ma14:wrappingTextBoxFlag xmlns:ma14="http://schemas.microsoft.com/office/mac/drawingml/2011/main" xmlns="" val="1"/>
               </a:ext>
             </a:extLst>
           </p:spPr>
@@ -3402,7 +3375,7 @@
             </a:ln>
             <a:extLst>
               <a:ext uri="{C572A759-6A51-4108-AA02-DFA0A04FC94B}">
-                <ma14:wrappingTextBoxFlag xmlns="" xmlns:ma14="http://schemas.microsoft.com/office/mac/drawingml/2011/main" val="1"/>
+                <ma14:wrappingTextBoxFlag xmlns:ma14="http://schemas.microsoft.com/office/mac/drawingml/2011/main" xmlns="" val="1"/>
               </a:ext>
             </a:extLst>
           </p:spPr>
@@ -3456,8 +3429,8 @@
             <a:chExt cx="4393984" cy="1650049"/>
           </a:xfrm>
         </p:grpSpPr>
-        <mc:AlternateContent xmlns:mc="http://schemas.openxmlformats.org/markup-compatibility/2006" xmlns:a14="http://schemas.microsoft.com/office/drawing/2010/main">
-          <mc:Choice Requires="a14">
+        <mc:AlternateContent xmlns:mc="http://schemas.openxmlformats.org/markup-compatibility/2006">
+          <mc:Choice xmlns:a14="http://schemas.microsoft.com/office/drawing/2010/main" Requires="a14">
             <p:sp>
               <p:nvSpPr>
                 <p:cNvPr id="54" name="Shape 34"/>
@@ -3678,7 +3651,16 @@
                       <a:cs typeface="Source Sans Pro Light"/>
                       <a:sym typeface="Source Sans Pro Light"/>
                     </a:rPr>
-                    <a:t>Test Statistic.: </a:t>
+                    <a:t>Test </a:t>
+                  </a:r>
+                  <a:r>
+                    <a:rPr lang="en-US" sz="900" b="1" dirty="0" smtClean="0">
+                      <a:latin typeface="Source Sans Pro Light"/>
+                      <a:ea typeface="Source Sans Pro Light"/>
+                      <a:cs typeface="Source Sans Pro Light"/>
+                      <a:sym typeface="Source Sans Pro Light"/>
+                    </a:rPr>
+                    <a:t>Statistic: </a:t>
                   </a:r>
                   <a14:m>
                     <m:oMath xmlns:m="http://schemas.openxmlformats.org/officeDocument/2006/math">
@@ -3686,7 +3668,7 @@
                         <m:rPr>
                           <m:sty m:val="p"/>
                         </m:rPr>
-                        <a:rPr lang="en-US" sz="1100">
+                        <a:rPr lang="en-US" sz="1000">
                           <a:latin typeface="Cambria Math" panose="02040503050406030204" pitchFamily="18" charset="0"/>
                           <a:ea typeface="Source Sans Pro Light"/>
                           <a:cs typeface="Source Sans Pro Light"/>
@@ -3695,7 +3677,7 @@
                         <m:t>t</m:t>
                       </m:r>
                       <m:r>
-                        <a:rPr lang="en-US" sz="1100" b="0" i="0" smtClean="0">
+                        <a:rPr lang="en-US" sz="1000" b="0" i="0" smtClean="0">
                           <a:latin typeface="Cambria Math" panose="02040503050406030204" pitchFamily="18" charset="0"/>
                           <a:ea typeface="Source Sans Pro Light"/>
                           <a:cs typeface="Source Sans Pro Light"/>
@@ -3706,7 +3688,7 @@
                       <m:f>
                         <m:fPr>
                           <m:ctrlPr>
-                            <a:rPr lang="en-US" sz="1100" b="0" i="1" smtClean="0">
+                            <a:rPr lang="en-US" sz="1000" b="0" i="1" smtClean="0">
                               <a:latin typeface="Cambria Math" panose="02040503050406030204" pitchFamily="18" charset="0"/>
                               <a:sym typeface="Source Sans Pro Light"/>
                             </a:rPr>
@@ -3717,7 +3699,7 @@
                             <m:accPr>
                               <m:chr m:val="̅"/>
                               <m:ctrlPr>
-                                <a:rPr lang="en-US" sz="1100" b="0" i="1" smtClean="0">
+                                <a:rPr lang="en-US" sz="1000" b="0" i="1" smtClean="0">
                                   <a:latin typeface="Cambria Math" panose="02040503050406030204" pitchFamily="18" charset="0"/>
                                   <a:sym typeface="Source Sans Pro Light"/>
                                 </a:rPr>
@@ -3728,7 +3710,7 @@
                                 <m:rPr>
                                   <m:sty m:val="p"/>
                                 </m:rPr>
-                                <a:rPr lang="en-US" sz="1100" b="0" i="0" smtClean="0">
+                                <a:rPr lang="en-US" sz="1000" b="0" i="0" smtClean="0">
                                   <a:latin typeface="Cambria Math" panose="02040503050406030204" pitchFamily="18" charset="0"/>
                                   <a:sym typeface="Source Sans Pro Light"/>
                                 </a:rPr>
@@ -3737,7 +3719,7 @@
                             </m:e>
                           </m:acc>
                           <m:r>
-                            <a:rPr lang="en-US" sz="1100" b="0" i="0" smtClean="0">
+                            <a:rPr lang="en-US" sz="1000" b="0" i="0" smtClean="0">
                               <a:latin typeface="Cambria Math" panose="02040503050406030204" pitchFamily="18" charset="0"/>
                               <a:sym typeface="Source Sans Pro Light"/>
                             </a:rPr>
@@ -3746,7 +3728,7 @@
                           <m:sSub>
                             <m:sSubPr>
                               <m:ctrlPr>
-                                <a:rPr lang="en-US" sz="1100" b="0" i="1" smtClean="0">
+                                <a:rPr lang="en-US" sz="1000" b="0" i="1" smtClean="0">
                                   <a:latin typeface="Cambria Math" panose="02040503050406030204" pitchFamily="18" charset="0"/>
                                   <a:sym typeface="Source Sans Pro Light"/>
                                 </a:rPr>
@@ -3757,7 +3739,7 @@
                                 <m:rPr>
                                   <m:sty m:val="p"/>
                                 </m:rPr>
-                                <a:rPr lang="en-US" sz="1100" b="0" i="0" smtClean="0">
+                                <a:rPr lang="en-US" sz="1000" b="0" i="0" smtClean="0">
                                   <a:latin typeface="Cambria Math" panose="02040503050406030204" pitchFamily="18" charset="0"/>
                                   <a:ea typeface="Cambria Math" panose="02040503050406030204" pitchFamily="18" charset="0"/>
                                   <a:sym typeface="Source Sans Pro Light"/>
@@ -3767,7 +3749,7 @@
                             </m:e>
                             <m:sub>
                               <m:r>
-                                <a:rPr lang="en-US" sz="1100" b="0" i="0" smtClean="0">
+                                <a:rPr lang="en-US" sz="1000" b="0" i="0" smtClean="0">
                                   <a:latin typeface="Cambria Math" panose="02040503050406030204" pitchFamily="18" charset="0"/>
                                   <a:sym typeface="Source Sans Pro Light"/>
                                 </a:rPr>
@@ -3780,7 +3762,7 @@
                           <m:box>
                             <m:boxPr>
                               <m:ctrlPr>
-                                <a:rPr lang="en-US" sz="1100" b="0" i="1" smtClean="0">
+                                <a:rPr lang="en-US" sz="1000" b="0" i="1" smtClean="0">
                                   <a:latin typeface="Cambria Math" panose="02040503050406030204" pitchFamily="18" charset="0"/>
                                   <a:sym typeface="Source Sans Pro Light"/>
                                 </a:rPr>
@@ -3793,7 +3775,7 @@
                               <m:f>
                                 <m:fPr>
                                   <m:ctrlPr>
-                                    <a:rPr lang="en-US" sz="1100" b="0" i="1" smtClean="0">
+                                    <a:rPr lang="en-US" sz="1000" b="0" i="1" smtClean="0">
                                       <a:latin typeface="Cambria Math" panose="02040503050406030204" pitchFamily="18" charset="0"/>
                                       <a:sym typeface="Source Sans Pro Light"/>
                                     </a:rPr>
@@ -3804,7 +3786,7 @@
                                     <m:rPr>
                                       <m:sty m:val="p"/>
                                     </m:rPr>
-                                    <a:rPr lang="en-US" sz="1100" b="0" i="0" smtClean="0">
+                                    <a:rPr lang="en-US" sz="1000" b="0" i="0" smtClean="0">
                                       <a:latin typeface="Cambria Math" panose="02040503050406030204" pitchFamily="18" charset="0"/>
                                       <a:sym typeface="Source Sans Pro Light"/>
                                     </a:rPr>
@@ -3812,16 +3794,30 @@
                                   </m:r>
                                 </m:num>
                                 <m:den>
-                                  <m:r>
-                                    <m:rPr>
-                                      <m:sty m:val="p"/>
-                                    </m:rPr>
-                                    <a:rPr lang="en-US" sz="1100" b="0" i="0" smtClean="0">
-                                      <a:latin typeface="Cambria Math" panose="02040503050406030204" pitchFamily="18" charset="0"/>
-                                      <a:sym typeface="Source Sans Pro Light"/>
-                                    </a:rPr>
-                                    <m:t>n</m:t>
-                                  </m:r>
+                                  <m:rad>
+                                    <m:radPr>
+                                      <m:degHide m:val="on"/>
+                                      <m:ctrlPr>
+                                        <a:rPr lang="en-US" sz="1000" b="0" i="1" smtClean="0">
+                                          <a:latin typeface="Cambria Math" panose="02040503050406030204" pitchFamily="18" charset="0"/>
+                                          <a:sym typeface="Source Sans Pro Light"/>
+                                        </a:rPr>
+                                      </m:ctrlPr>
+                                    </m:radPr>
+                                    <m:deg/>
+                                    <m:e>
+                                      <m:r>
+                                        <m:rPr>
+                                          <m:sty m:val="p"/>
+                                        </m:rPr>
+                                        <a:rPr lang="en-US" sz="1050">
+                                          <a:latin typeface="Cambria Math" panose="02040503050406030204" pitchFamily="18" charset="0"/>
+                                          <a:sym typeface="Source Sans Pro Light"/>
+                                        </a:rPr>
+                                        <m:t>n</m:t>
+                                      </m:r>
+                                    </m:e>
+                                  </m:rad>
                                 </m:den>
                               </m:f>
                             </m:e>
@@ -3947,17 +3943,32 @@
                           </m:r>
                         </m:num>
                         <m:den>
-                          <m:r>
-                            <m:rPr>
-                              <m:sty m:val="p"/>
-                            </m:rPr>
-                            <a:rPr lang="en-US" sz="1100" b="0" i="0" smtClean="0">
-                              <a:latin typeface="Cambria Math" panose="02040503050406030204" pitchFamily="18" charset="0"/>
-                              <a:ea typeface="Cambria Math" panose="02040503050406030204" pitchFamily="18" charset="0"/>
-                              <a:sym typeface="Source Sans Pro Light"/>
-                            </a:rPr>
-                            <m:t>n</m:t>
-                          </m:r>
+                          <m:rad>
+                            <m:radPr>
+                              <m:degHide m:val="on"/>
+                              <m:ctrlPr>
+                                <a:rPr lang="en-US" sz="1100" b="0" i="1" smtClean="0">
+                                  <a:latin typeface="Cambria Math" panose="02040503050406030204" pitchFamily="18" charset="0"/>
+                                  <a:ea typeface="Cambria Math" panose="02040503050406030204" pitchFamily="18" charset="0"/>
+                                  <a:sym typeface="Source Sans Pro Light"/>
+                                </a:rPr>
+                              </m:ctrlPr>
+                            </m:radPr>
+                            <m:deg/>
+                            <m:e>
+                              <m:r>
+                                <m:rPr>
+                                  <m:nor/>
+                                </m:rPr>
+                                <a:rPr lang="en-US" sz="1100" b="0" i="0" smtClean="0">
+                                  <a:latin typeface="Cambria Math" panose="02040503050406030204" pitchFamily="18" charset="0"/>
+                                  <a:ea typeface="Cambria Math" panose="02040503050406030204" pitchFamily="18" charset="0"/>
+                                  <a:sym typeface="Source Sans Pro Light"/>
+                                </a:rPr>
+                                <m:t>n</m:t>
+                              </m:r>
+                            </m:e>
+                          </m:rad>
                         </m:den>
                       </m:f>
                     </m:oMath>
@@ -4287,7 +4298,7 @@
               </p:txBody>
             </p:sp>
           </mc:Choice>
-          <mc:Fallback xmlns="">
+          <mc:Fallback>
             <p:sp>
               <p:nvSpPr>
                 <p:cNvPr id="54" name="Shape 34"/>
@@ -4355,7 +4366,7 @@
             </a:ln>
             <a:extLst>
               <a:ext uri="{C572A759-6A51-4108-AA02-DFA0A04FC94B}">
-                <ma14:wrappingTextBoxFlag xmlns="" xmlns:ma14="http://schemas.microsoft.com/office/mac/drawingml/2011/main" val="1"/>
+                <ma14:wrappingTextBoxFlag xmlns:ma14="http://schemas.microsoft.com/office/mac/drawingml/2011/main" xmlns="" val="1"/>
               </a:ext>
             </a:extLst>
           </p:spPr>
@@ -4409,8 +4420,8 @@
             <a:chExt cx="4393984" cy="2323670"/>
           </a:xfrm>
         </p:grpSpPr>
-        <mc:AlternateContent xmlns:mc="http://schemas.openxmlformats.org/markup-compatibility/2006">
-          <mc:Choice xmlns:a14="http://schemas.microsoft.com/office/drawing/2010/main" Requires="a14">
+        <mc:AlternateContent xmlns:mc="http://schemas.openxmlformats.org/markup-compatibility/2006" xmlns:a14="http://schemas.microsoft.com/office/drawing/2010/main">
+          <mc:Choice Requires="a14">
             <p:sp>
               <p:nvSpPr>
                 <p:cNvPr id="57" name="Shape 34"/>
@@ -5919,25 +5930,7 @@
                       <a:cs typeface="Source Sans Pro Light"/>
                       <a:sym typeface="Source Sans Pro Light"/>
                     </a:rPr>
-                    <a:t>1) Individuals in </a:t>
-                  </a:r>
-                  <a:r>
-                    <a:rPr lang="en-US" sz="900" dirty="0" smtClean="0">
-                      <a:latin typeface="Source Sans Pro Light"/>
-                      <a:ea typeface="Source Sans Pro Light"/>
-                      <a:cs typeface="Source Sans Pro Light"/>
-                      <a:sym typeface="Source Sans Pro Light"/>
-                    </a:rPr>
-                    <a:t>populations </a:t>
-                  </a:r>
-                  <a:r>
-                    <a:rPr lang="en-US" sz="900" dirty="0" smtClean="0">
-                      <a:latin typeface="Source Sans Pro Light"/>
-                      <a:ea typeface="Source Sans Pro Light"/>
-                      <a:cs typeface="Source Sans Pro Light"/>
-                      <a:sym typeface="Source Sans Pro Light"/>
-                    </a:rPr>
-                    <a:t>are independent</a:t>
+                    <a:t>1) Individuals in populations are independent</a:t>
                   </a:r>
                 </a:p>
                 <a:p>
@@ -6015,7 +6008,16 @@
                       <a:cs typeface="Source Sans Pro Light"/>
                       <a:sym typeface="Source Sans Pro Light"/>
                     </a:rPr>
-                    <a:t> 3) </a:t>
+                    <a:t> 3) n</a:t>
+                  </a:r>
+                  <a:r>
+                    <a:rPr lang="en-US" sz="900" baseline="-25000" dirty="0" smtClean="0">
+                      <a:latin typeface="Source Sans Pro Light"/>
+                      <a:ea typeface="Source Sans Pro Light"/>
+                      <a:cs typeface="Source Sans Pro Light"/>
+                      <a:sym typeface="Source Sans Pro Light"/>
+                    </a:rPr>
+                    <a:t>1</a:t>
                   </a:r>
                   <a:r>
                     <a:rPr lang="en-US" sz="900" dirty="0" smtClean="0">
@@ -6024,7 +6026,7 @@
                       <a:cs typeface="Source Sans Pro Light"/>
                       <a:sym typeface="Source Sans Pro Light"/>
                     </a:rPr>
-                    <a:t>n</a:t>
+                    <a:t>+n</a:t>
                   </a:r>
                   <a:r>
                     <a:rPr lang="en-US" sz="900" baseline="-25000" dirty="0" smtClean="0">
@@ -6033,7 +6035,16 @@
                       <a:cs typeface="Source Sans Pro Light"/>
                       <a:sym typeface="Source Sans Pro Light"/>
                     </a:rPr>
-                    <a:t>1</a:t>
+                    <a:t>2 </a:t>
+                  </a:r>
+                  <a:r>
+                    <a:rPr lang="en-US" sz="900" u="sng" dirty="0" smtClean="0">
+                      <a:latin typeface="Source Sans Pro Light"/>
+                      <a:ea typeface="Source Sans Pro Light"/>
+                      <a:cs typeface="Source Sans Pro Light"/>
+                      <a:sym typeface="Source Sans Pro Light"/>
+                    </a:rPr>
+                    <a:t>&gt;</a:t>
                   </a:r>
                   <a:r>
                     <a:rPr lang="en-US" sz="900" dirty="0" smtClean="0">
@@ -6042,43 +6053,7 @@
                       <a:cs typeface="Source Sans Pro Light"/>
                       <a:sym typeface="Source Sans Pro Light"/>
                     </a:rPr>
-                    <a:t>+n</a:t>
-                  </a:r>
-                  <a:r>
-                    <a:rPr lang="en-US" sz="900" baseline="-25000" dirty="0" smtClean="0">
-                      <a:latin typeface="Source Sans Pro Light"/>
-                      <a:ea typeface="Source Sans Pro Light"/>
-                      <a:cs typeface="Source Sans Pro Light"/>
-                      <a:sym typeface="Source Sans Pro Light"/>
-                    </a:rPr>
-                    <a:t>2 </a:t>
-                  </a:r>
-                  <a:r>
-                    <a:rPr lang="en-US" sz="900" u="sng" dirty="0" smtClean="0">
-                      <a:latin typeface="Source Sans Pro Light"/>
-                      <a:ea typeface="Source Sans Pro Light"/>
-                      <a:cs typeface="Source Sans Pro Light"/>
-                      <a:sym typeface="Source Sans Pro Light"/>
-                    </a:rPr>
-                    <a:t>&gt;</a:t>
-                  </a:r>
-                  <a:r>
-                    <a:rPr lang="en-US" sz="900" dirty="0" smtClean="0">
-                      <a:latin typeface="Source Sans Pro Light"/>
-                      <a:ea typeface="Source Sans Pro Light"/>
-                      <a:cs typeface="Source Sans Pro Light"/>
-                      <a:sym typeface="Source Sans Pro Light"/>
-                    </a:rPr>
-                    <a:t>40, </a:t>
-                  </a:r>
-                  <a:r>
-                    <a:rPr lang="en-US" sz="900" dirty="0" smtClean="0">
-                      <a:latin typeface="Source Sans Pro Light"/>
-                      <a:ea typeface="Source Sans Pro Light"/>
-                      <a:cs typeface="Source Sans Pro Light"/>
-                      <a:sym typeface="Source Sans Pro Light"/>
-                    </a:rPr>
-                    <a:t>n</a:t>
+                    <a:t>40, n</a:t>
                   </a:r>
                   <a:r>
                     <a:rPr lang="en-US" sz="900" baseline="-25000" dirty="0" smtClean="0">
@@ -6153,25 +6128,7 @@
                       <a:cs typeface="Source Sans Pro Light"/>
                       <a:sym typeface="Source Sans Pro Light"/>
                     </a:rPr>
-                    <a:t>             </a:t>
-                  </a:r>
-                  <a:r>
-                    <a:rPr lang="en-US" sz="900" dirty="0" smtClean="0">
-                      <a:latin typeface="Source Sans Pro Light"/>
-                      <a:ea typeface="Source Sans Pro Light"/>
-                      <a:cs typeface="Source Sans Pro Light"/>
-                      <a:sym typeface="Source Sans Pro Light"/>
-                    </a:rPr>
-                    <a:t>both </a:t>
-                  </a:r>
-                  <a:r>
-                    <a:rPr lang="en-US" sz="900" dirty="0" smtClean="0">
-                      <a:latin typeface="Source Sans Pro Light"/>
-                      <a:ea typeface="Source Sans Pro Light"/>
-                      <a:cs typeface="Source Sans Pro Light"/>
-                      <a:sym typeface="Source Sans Pro Light"/>
-                    </a:rPr>
-                    <a:t>histograms are normal</a:t>
+                    <a:t>             both histograms are normal</a:t>
                   </a:r>
                   <a:endParaRPr lang="en-US" sz="900" dirty="0">
                     <a:latin typeface="Source Sans Pro Light"/>
@@ -6330,7 +6287,7 @@
               </p:txBody>
             </p:sp>
           </mc:Choice>
-          <mc:Fallback>
+          <mc:Fallback xmlns="">
             <p:sp>
               <p:nvSpPr>
                 <p:cNvPr id="57" name="Shape 34"/>
@@ -6398,7 +6355,7 @@
             </a:ln>
             <a:extLst>
               <a:ext uri="{C572A759-6A51-4108-AA02-DFA0A04FC94B}">
-                <ma14:wrappingTextBoxFlag xmlns="" xmlns:ma14="http://schemas.microsoft.com/office/mac/drawingml/2011/main" val="1"/>
+                <ma14:wrappingTextBoxFlag xmlns:ma14="http://schemas.microsoft.com/office/mac/drawingml/2011/main" xmlns="" val="1"/>
               </a:ext>
             </a:extLst>
           </p:spPr>
@@ -6452,8 +6409,8 @@
             <a:chExt cx="4393984" cy="1463239"/>
           </a:xfrm>
         </p:grpSpPr>
-        <mc:AlternateContent xmlns:mc="http://schemas.openxmlformats.org/markup-compatibility/2006" xmlns:a14="http://schemas.microsoft.com/office/drawing/2010/main">
-          <mc:Choice Requires="a14">
+        <mc:AlternateContent xmlns:mc="http://schemas.openxmlformats.org/markup-compatibility/2006">
+          <mc:Choice xmlns:a14="http://schemas.microsoft.com/office/drawing/2010/main" Requires="a14">
             <p:sp>
               <p:nvSpPr>
                 <p:cNvPr id="59" name="Shape 34"/>
@@ -6682,7 +6639,7 @@
                         <m:rPr>
                           <m:sty m:val="p"/>
                         </m:rPr>
-                        <a:rPr lang="en-US" sz="1100" b="0" i="0" smtClean="0">
+                        <a:rPr lang="en-US" sz="1000" b="0" i="0" smtClean="0">
                           <a:latin typeface="Cambria Math" panose="02040503050406030204" pitchFamily="18" charset="0"/>
                           <a:ea typeface="Source Sans Pro Light"/>
                           <a:cs typeface="Source Sans Pro Light"/>
@@ -6691,7 +6648,7 @@
                         <m:t>Z</m:t>
                       </m:r>
                       <m:r>
-                        <a:rPr lang="en-US" sz="1100" b="0" i="0" smtClean="0">
+                        <a:rPr lang="en-US" sz="1000" b="0" i="0" smtClean="0">
                           <a:latin typeface="Cambria Math" panose="02040503050406030204" pitchFamily="18" charset="0"/>
                           <a:ea typeface="Source Sans Pro Light"/>
                           <a:cs typeface="Source Sans Pro Light"/>
@@ -6702,7 +6659,7 @@
                       <m:f>
                         <m:fPr>
                           <m:ctrlPr>
-                            <a:rPr lang="en-US" sz="1100" b="0" i="1" smtClean="0">
+                            <a:rPr lang="en-US" sz="1000" b="0" i="1" smtClean="0">
                               <a:latin typeface="Cambria Math" panose="02040503050406030204" pitchFamily="18" charset="0"/>
                               <a:sym typeface="Source Sans Pro Light"/>
                             </a:rPr>
@@ -6713,7 +6670,7 @@
                             <m:accPr>
                               <m:chr m:val="̅"/>
                               <m:ctrlPr>
-                                <a:rPr lang="en-US" sz="1100" b="0" i="1" smtClean="0">
+                                <a:rPr lang="en-US" sz="1000" b="0" i="1" smtClean="0">
                                   <a:latin typeface="Cambria Math" panose="02040503050406030204" pitchFamily="18" charset="0"/>
                                   <a:sym typeface="Source Sans Pro Light"/>
                                 </a:rPr>
@@ -6724,7 +6681,7 @@
                                 <m:rPr>
                                   <m:sty m:val="p"/>
                                 </m:rPr>
-                                <a:rPr lang="en-US" sz="1100" b="0" i="0" smtClean="0">
+                                <a:rPr lang="en-US" sz="1000" b="0" i="0" smtClean="0">
                                   <a:latin typeface="Cambria Math" panose="02040503050406030204" pitchFamily="18" charset="0"/>
                                   <a:sym typeface="Source Sans Pro Light"/>
                                 </a:rPr>
@@ -6733,7 +6690,7 @@
                             </m:e>
                           </m:acc>
                           <m:r>
-                            <a:rPr lang="en-US" sz="1100" b="0" i="0" smtClean="0">
+                            <a:rPr lang="en-US" sz="1000" b="0" i="0" smtClean="0">
                               <a:latin typeface="Cambria Math" panose="02040503050406030204" pitchFamily="18" charset="0"/>
                               <a:sym typeface="Source Sans Pro Light"/>
                             </a:rPr>
@@ -6742,7 +6699,7 @@
                           <m:sSub>
                             <m:sSubPr>
                               <m:ctrlPr>
-                                <a:rPr lang="en-US" sz="1100" b="0" i="1" smtClean="0">
+                                <a:rPr lang="en-US" sz="1000" b="0" i="1" smtClean="0">
                                   <a:latin typeface="Cambria Math" panose="02040503050406030204" pitchFamily="18" charset="0"/>
                                   <a:sym typeface="Source Sans Pro Light"/>
                                 </a:rPr>
@@ -6753,7 +6710,7 @@
                                 <m:rPr>
                                   <m:sty m:val="p"/>
                                 </m:rPr>
-                                <a:rPr lang="en-US" sz="1100" b="0" i="0" smtClean="0">
+                                <a:rPr lang="en-US" sz="1000" b="0" i="0" smtClean="0">
                                   <a:latin typeface="Cambria Math" panose="02040503050406030204" pitchFamily="18" charset="0"/>
                                   <a:ea typeface="Cambria Math" panose="02040503050406030204" pitchFamily="18" charset="0"/>
                                   <a:sym typeface="Source Sans Pro Light"/>
@@ -6763,7 +6720,7 @@
                             </m:e>
                             <m:sub>
                               <m:r>
-                                <a:rPr lang="en-US" sz="1100" b="0" i="0" smtClean="0">
+                                <a:rPr lang="en-US" sz="1000" b="0" i="0" smtClean="0">
                                   <a:latin typeface="Cambria Math" panose="02040503050406030204" pitchFamily="18" charset="0"/>
                                   <a:sym typeface="Source Sans Pro Light"/>
                                 </a:rPr>
@@ -6776,7 +6733,7 @@
                           <m:box>
                             <m:boxPr>
                               <m:ctrlPr>
-                                <a:rPr lang="en-US" sz="1100" b="0" i="1" smtClean="0">
+                                <a:rPr lang="en-US" sz="1000" b="0" i="1" smtClean="0">
                                   <a:latin typeface="Cambria Math" panose="02040503050406030204" pitchFamily="18" charset="0"/>
                                   <a:sym typeface="Source Sans Pro Light"/>
                                 </a:rPr>
@@ -6789,7 +6746,7 @@
                               <m:f>
                                 <m:fPr>
                                   <m:ctrlPr>
-                                    <a:rPr lang="en-US" sz="1100" b="0" i="1" smtClean="0">
+                                    <a:rPr lang="en-US" sz="1000" b="0" i="1" smtClean="0">
                                       <a:latin typeface="Cambria Math" panose="02040503050406030204" pitchFamily="18" charset="0"/>
                                       <a:sym typeface="Source Sans Pro Light"/>
                                     </a:rPr>
@@ -6800,7 +6757,7 @@
                                     <m:rPr>
                                       <m:sty m:val="p"/>
                                     </m:rPr>
-                                    <a:rPr lang="en-US" sz="1100" b="0" i="0" smtClean="0">
+                                    <a:rPr lang="en-US" sz="1000" b="0" i="0" smtClean="0">
                                       <a:latin typeface="Cambria Math" panose="02040503050406030204" pitchFamily="18" charset="0"/>
                                       <a:ea typeface="Cambria Math" panose="02040503050406030204" pitchFamily="18" charset="0"/>
                                       <a:sym typeface="Source Sans Pro Light"/>
@@ -6809,16 +6766,31 @@
                                   </m:r>
                                 </m:num>
                                 <m:den>
-                                  <m:r>
-                                    <m:rPr>
-                                      <m:sty m:val="p"/>
-                                    </m:rPr>
-                                    <a:rPr lang="en-US" sz="1100" b="0" i="0" smtClean="0">
-                                      <a:latin typeface="Cambria Math" panose="02040503050406030204" pitchFamily="18" charset="0"/>
-                                      <a:sym typeface="Source Sans Pro Light"/>
-                                    </a:rPr>
-                                    <m:t>n</m:t>
-                                  </m:r>
+                                  <m:rad>
+                                    <m:radPr>
+                                      <m:degHide m:val="on"/>
+                                      <m:ctrlPr>
+                                        <a:rPr lang="en-US" sz="1000" b="0" i="1" smtClean="0">
+                                          <a:latin typeface="Cambria Math" panose="02040503050406030204" pitchFamily="18" charset="0"/>
+                                          <a:ea typeface="Cambria Math" panose="02040503050406030204" pitchFamily="18" charset="0"/>
+                                          <a:sym typeface="Source Sans Pro Light"/>
+                                        </a:rPr>
+                                      </m:ctrlPr>
+                                    </m:radPr>
+                                    <m:deg/>
+                                    <m:e>
+                                      <m:r>
+                                        <m:rPr>
+                                          <m:sty m:val="p"/>
+                                        </m:rPr>
+                                        <a:rPr lang="en-US" sz="1000">
+                                          <a:latin typeface="Cambria Math" panose="02040503050406030204" pitchFamily="18" charset="0"/>
+                                          <a:sym typeface="Source Sans Pro Light"/>
+                                        </a:rPr>
+                                        <m:t>n</m:t>
+                                      </m:r>
+                                    </m:e>
+                                  </m:rad>
                                 </m:den>
                               </m:f>
                             </m:e>
@@ -6935,17 +6907,32 @@
                           </m:r>
                         </m:num>
                         <m:den>
-                          <m:r>
-                            <m:rPr>
-                              <m:sty m:val="p"/>
-                            </m:rPr>
-                            <a:rPr lang="en-US" sz="1200" b="0" i="0" smtClean="0">
-                              <a:latin typeface="Cambria Math" panose="02040503050406030204" pitchFamily="18" charset="0"/>
-                              <a:ea typeface="Cambria Math" panose="02040503050406030204" pitchFamily="18" charset="0"/>
-                              <a:sym typeface="Source Sans Pro Light"/>
-                            </a:rPr>
-                            <m:t>n</m:t>
-                          </m:r>
+                          <m:rad>
+                            <m:radPr>
+                              <m:degHide m:val="on"/>
+                              <m:ctrlPr>
+                                <a:rPr lang="en-US" sz="1200" i="1" smtClean="0">
+                                  <a:latin typeface="Cambria Math" panose="02040503050406030204" pitchFamily="18" charset="0"/>
+                                  <a:ea typeface="Cambria Math" panose="02040503050406030204" pitchFamily="18" charset="0"/>
+                                  <a:sym typeface="Source Sans Pro Light"/>
+                                </a:rPr>
+                              </m:ctrlPr>
+                            </m:radPr>
+                            <m:deg/>
+                            <m:e>
+                              <m:r>
+                                <m:rPr>
+                                  <m:sty m:val="p"/>
+                                </m:rPr>
+                                <a:rPr lang="en-US" sz="1200">
+                                  <a:latin typeface="Cambria Math" panose="02040503050406030204" pitchFamily="18" charset="0"/>
+                                  <a:ea typeface="Cambria Math" panose="02040503050406030204" pitchFamily="18" charset="0"/>
+                                  <a:sym typeface="Source Sans Pro Light"/>
+                                </a:rPr>
+                                <m:t>n</m:t>
+                              </m:r>
+                            </m:e>
+                          </m:rad>
                         </m:den>
                       </m:f>
                     </m:oMath>
@@ -7200,7 +7187,7 @@
               </p:txBody>
             </p:sp>
           </mc:Choice>
-          <mc:Fallback xmlns="">
+          <mc:Fallback>
             <p:sp>
               <p:nvSpPr>
                 <p:cNvPr id="59" name="Shape 34"/>
@@ -7222,7 +7209,7 @@
                 <a:blipFill rotWithShape="0">
                   <a:blip r:embed="rId6"/>
                   <a:stretch>
-                    <a:fillRect l="-556" b="-943"/>
+                    <a:fillRect l="-556"/>
                   </a:stretch>
                 </a:blipFill>
                 <a:ln w="12700">
@@ -7268,7 +7255,7 @@
             </a:ln>
             <a:extLst>
               <a:ext uri="{C572A759-6A51-4108-AA02-DFA0A04FC94B}">
-                <ma14:wrappingTextBoxFlag xmlns="" xmlns:ma14="http://schemas.microsoft.com/office/mac/drawingml/2011/main" val="1"/>
+                <ma14:wrappingTextBoxFlag xmlns:ma14="http://schemas.microsoft.com/office/mac/drawingml/2011/main" xmlns="" val="1"/>
               </a:ext>
             </a:extLst>
           </p:spPr>
@@ -7322,8 +7309,8 @@
             <a:chExt cx="4393984" cy="1864063"/>
           </a:xfrm>
         </p:grpSpPr>
-        <mc:AlternateContent xmlns:mc="http://schemas.openxmlformats.org/markup-compatibility/2006">
-          <mc:Choice xmlns:a14="http://schemas.microsoft.com/office/drawing/2010/main" Requires="a14">
+        <mc:AlternateContent xmlns:mc="http://schemas.openxmlformats.org/markup-compatibility/2006" xmlns:a14="http://schemas.microsoft.com/office/drawing/2010/main">
+          <mc:Choice Requires="a14">
             <p:sp>
               <p:nvSpPr>
                 <p:cNvPr id="63" name="Shape 34"/>
@@ -7415,16 +7402,7 @@
                       <a:cs typeface="Source Sans Pro Light"/>
                       <a:sym typeface="Source Sans Pro Light"/>
                     </a:rPr>
-                    <a:t> </a:t>
-                  </a:r>
-                  <a:r>
-                    <a:rPr lang="en-US" sz="900" dirty="0" smtClean="0">
-                      <a:latin typeface="Source Sans Pro Light"/>
-                      <a:ea typeface="Source Sans Pro Light"/>
-                      <a:cs typeface="Source Sans Pro Light"/>
-                      <a:sym typeface="Source Sans Pro Light"/>
-                    </a:rPr>
-                    <a:t>into response levels follows the theoretical distribution”</a:t>
+                    <a:t> into response levels follows the theoretical distribution”</a:t>
                   </a:r>
                 </a:p>
                 <a:p>
@@ -7499,16 +7477,7 @@
                       <a:cs typeface="Source Sans Pro Light"/>
                       <a:sym typeface="Source Sans Pro Light"/>
                     </a:rPr>
-                    <a:t> </a:t>
-                  </a:r>
-                  <a:r>
-                    <a:rPr lang="en-US" sz="900" dirty="0" smtClean="0">
-                      <a:latin typeface="Source Sans Pro Light"/>
-                      <a:ea typeface="Source Sans Pro Light"/>
-                      <a:cs typeface="Source Sans Pro Light"/>
-                      <a:sym typeface="Source Sans Pro Light"/>
-                    </a:rPr>
-                    <a:t>into </a:t>
+                    <a:t> into </a:t>
                   </a:r>
                   <a:r>
                     <a:rPr lang="en-US" sz="900" dirty="0">
@@ -8117,7 +8086,7 @@
               </p:txBody>
             </p:sp>
           </mc:Choice>
-          <mc:Fallback>
+          <mc:Fallback xmlns="">
             <p:sp>
               <p:nvSpPr>
                 <p:cNvPr id="63" name="Shape 34"/>
@@ -8185,7 +8154,7 @@
             </a:ln>
             <a:extLst>
               <a:ext uri="{C572A759-6A51-4108-AA02-DFA0A04FC94B}">
-                <ma14:wrappingTextBoxFlag xmlns="" xmlns:ma14="http://schemas.microsoft.com/office/mac/drawingml/2011/main" val="1"/>
+                <ma14:wrappingTextBoxFlag xmlns:ma14="http://schemas.microsoft.com/office/mac/drawingml/2011/main" xmlns="" val="1"/>
               </a:ext>
             </a:extLst>
           </p:spPr>
@@ -8557,7 +8526,7 @@
             </a:ln>
             <a:extLst>
               <a:ext uri="{C572A759-6A51-4108-AA02-DFA0A04FC94B}">
-                <ma14:wrappingTextBoxFlag xmlns="" xmlns:ma14="http://schemas.microsoft.com/office/mac/drawingml/2011/main" val="1"/>
+                <ma14:wrappingTextBoxFlag xmlns:ma14="http://schemas.microsoft.com/office/mac/drawingml/2011/main" xmlns="" val="1"/>
               </a:ext>
             </a:extLst>
           </p:spPr>

--- a/resources/MTH107-HOcheatsheet.pptx
+++ b/resources/MTH107-HOcheatsheet.pptx
@@ -1493,7 +1493,7 @@
           </a:ln>
           <a:extLst>
             <a:ext uri="{C572A759-6A51-4108-AA02-DFA0A04FC94B}">
-              <ma14:wrappingTextBoxFlag xmlns:ma14="http://schemas.microsoft.com/office/mac/drawingml/2011/main" xmlns="" val="1"/>
+              <ma14:wrappingTextBoxFlag xmlns="" xmlns:ma14="http://schemas.microsoft.com/office/mac/drawingml/2011/main" val="1"/>
             </a:ext>
           </a:extLst>
         </p:spPr>
@@ -1536,7 +1536,7 @@
           </a:ln>
           <a:extLst>
             <a:ext uri="{C572A759-6A51-4108-AA02-DFA0A04FC94B}">
-              <ma14:wrappingTextBoxFlag xmlns:ma14="http://schemas.microsoft.com/office/mac/drawingml/2011/main" xmlns="" val="1"/>
+              <ma14:wrappingTextBoxFlag xmlns="" xmlns:ma14="http://schemas.microsoft.com/office/mac/drawingml/2011/main" val="1"/>
             </a:ext>
           </a:extLst>
         </p:spPr>
@@ -2026,8 +2026,8 @@
             <a:chExt cx="4393984" cy="1709195"/>
           </a:xfrm>
         </p:grpSpPr>
-        <mc:AlternateContent xmlns:mc="http://schemas.openxmlformats.org/markup-compatibility/2006" xmlns:a14="http://schemas.microsoft.com/office/drawing/2010/main">
-          <mc:Choice Requires="a14">
+        <mc:AlternateContent xmlns:mc="http://schemas.openxmlformats.org/markup-compatibility/2006">
+          <mc:Choice xmlns:a14="http://schemas.microsoft.com/office/drawing/2010/main" Requires="a14">
             <p:sp>
               <p:nvSpPr>
                 <p:cNvPr id="34" name="Shape 34"/>
@@ -2101,8 +2101,59 @@
                       <a:cs typeface="Source Sans Pro Light"/>
                       <a:sym typeface="Source Sans Pro Light"/>
                     </a:rPr>
-                    <a:t> “Distribution of individuals into response levels is the same for all populations”</a:t>
-                  </a:r>
+                    <a:t> “</a:t>
+                  </a:r>
+                  <a:r>
+                    <a:rPr lang="en-US" sz="900" dirty="0" smtClean="0">
+                      <a:latin typeface="Source Sans Pro Light"/>
+                      <a:ea typeface="Source Sans Pro Light"/>
+                      <a:cs typeface="Source Sans Pro Light"/>
+                      <a:sym typeface="Source Sans Pro Light"/>
+                    </a:rPr>
+                    <a:t>Distribution </a:t>
+                  </a:r>
+                  <a:r>
+                    <a:rPr lang="en-US" sz="900" dirty="0" smtClean="0">
+                      <a:latin typeface="Source Sans Pro Light"/>
+                      <a:ea typeface="Source Sans Pro Light"/>
+                      <a:cs typeface="Source Sans Pro Light"/>
+                      <a:sym typeface="Source Sans Pro Light"/>
+                    </a:rPr>
+                    <a:t>of individuals </a:t>
+                  </a:r>
+                  <a:r>
+                    <a:rPr lang="en-US" sz="900" dirty="0" smtClean="0">
+                      <a:latin typeface="Source Sans Pro Light"/>
+                      <a:ea typeface="Source Sans Pro Light"/>
+                      <a:cs typeface="Source Sans Pro Light"/>
+                      <a:sym typeface="Source Sans Pro Light"/>
+                    </a:rPr>
+                    <a:t>in </a:t>
+                  </a:r>
+                  <a:r>
+                    <a:rPr lang="en-US" sz="900" dirty="0" smtClean="0">
+                      <a:latin typeface="Source Sans Pro Light"/>
+                      <a:ea typeface="Source Sans Pro Light"/>
+                      <a:cs typeface="Source Sans Pro Light"/>
+                      <a:sym typeface="Source Sans Pro Light"/>
+                    </a:rPr>
+                    <a:t>response levels is the same for all </a:t>
+                  </a:r>
+                  <a:r>
+                    <a:rPr lang="en-US" sz="900" dirty="0" smtClean="0">
+                      <a:latin typeface="Source Sans Pro Light"/>
+                      <a:ea typeface="Source Sans Pro Light"/>
+                      <a:cs typeface="Source Sans Pro Light"/>
+                      <a:sym typeface="Source Sans Pro Light"/>
+                    </a:rPr>
+                    <a:t>groups”</a:t>
+                  </a:r>
+                  <a:endParaRPr lang="en-US" sz="900" dirty="0" smtClean="0">
+                    <a:latin typeface="Source Sans Pro Light"/>
+                    <a:ea typeface="Source Sans Pro Light"/>
+                    <a:cs typeface="Source Sans Pro Light"/>
+                    <a:sym typeface="Source Sans Pro Light"/>
+                  </a:endParaRPr>
                 </a:p>
                 <a:p>
                   <a:pPr algn="l">
@@ -2161,22 +2212,13 @@
                     <a:t>“Distribution of </a:t>
                   </a:r>
                   <a:r>
-                    <a:rPr lang="en-US" sz="900" dirty="0" err="1" smtClean="0">
-                      <a:latin typeface="Source Sans Pro Light"/>
-                      <a:ea typeface="Source Sans Pro Light"/>
-                      <a:cs typeface="Source Sans Pro Light"/>
-                      <a:sym typeface="Source Sans Pro Light"/>
-                    </a:rPr>
-                    <a:t>individs</a:t>
-                  </a:r>
-                  <a:r>
                     <a:rPr lang="en-US" sz="900" dirty="0" smtClean="0">
                       <a:latin typeface="Source Sans Pro Light"/>
                       <a:ea typeface="Source Sans Pro Light"/>
                       <a:cs typeface="Source Sans Pro Light"/>
                       <a:sym typeface="Source Sans Pro Light"/>
                     </a:rPr>
-                    <a:t> into </a:t>
+                    <a:t>individuals in </a:t>
                   </a:r>
                   <a:r>
                     <a:rPr lang="en-US" sz="900" dirty="0">
@@ -2203,7 +2245,25 @@
                       <a:cs typeface="Source Sans Pro Light"/>
                       <a:sym typeface="Source Sans Pro Light"/>
                     </a:rPr>
-                    <a:t>same for all populations”</a:t>
+                    <a:t>same for all </a:t>
+                  </a:r>
+                  <a:r>
+                    <a:rPr lang="en-US" sz="900" dirty="0" smtClean="0">
+                      <a:latin typeface="Source Sans Pro Light"/>
+                      <a:ea typeface="Source Sans Pro Light"/>
+                      <a:cs typeface="Source Sans Pro Light"/>
+                      <a:sym typeface="Source Sans Pro Light"/>
+                    </a:rPr>
+                    <a:t>groups</a:t>
+                  </a:r>
+                  <a:r>
+                    <a:rPr lang="en-US" sz="900" dirty="0">
+                      <a:latin typeface="Source Sans Pro Light"/>
+                      <a:ea typeface="Source Sans Pro Light"/>
+                      <a:cs typeface="Source Sans Pro Light"/>
+                      <a:sym typeface="Source Sans Pro Light"/>
+                    </a:rPr>
+                    <a:t>”</a:t>
                   </a:r>
                 </a:p>
                 <a:p>
@@ -2518,13 +2578,31 @@
                     <a:t>5 in each cell of the </a:t>
                   </a:r>
                   <a:r>
+                    <a:rPr lang="en-US" sz="900" dirty="0" smtClean="0">
+                      <a:latin typeface="Source Sans Pro Light"/>
+                      <a:ea typeface="Source Sans Pro Light"/>
+                      <a:cs typeface="Source Sans Pro Light"/>
+                      <a:sym typeface="Source Sans Pro Light"/>
+                    </a:rPr>
+                    <a:t>EXPECTED</a:t>
+                  </a:r>
+                  <a:r>
+                    <a:rPr lang="en-US" sz="900" dirty="0" smtClean="0">
+                      <a:latin typeface="Source Sans Pro Light"/>
+                      <a:ea typeface="Source Sans Pro Light"/>
+                      <a:cs typeface="Source Sans Pro Light"/>
+                      <a:sym typeface="Source Sans Pro Light"/>
+                    </a:rPr>
+                    <a:t> </a:t>
+                  </a:r>
+                  <a:r>
                     <a:rPr lang="en-US" sz="900" dirty="0">
                       <a:latin typeface="Source Sans Pro Light"/>
                       <a:ea typeface="Source Sans Pro Light"/>
                       <a:cs typeface="Source Sans Pro Light"/>
                       <a:sym typeface="Source Sans Pro Light"/>
                     </a:rPr>
-                    <a:t>expected table</a:t>
+                    <a:t>table</a:t>
                   </a:r>
                 </a:p>
                 <a:p>
@@ -2689,7 +2767,7 @@
               </p:txBody>
             </p:sp>
           </mc:Choice>
-          <mc:Fallback xmlns="">
+          <mc:Fallback>
             <p:sp>
               <p:nvSpPr>
                 <p:cNvPr id="34" name="Shape 34"/>
@@ -2711,7 +2789,7 @@
                 <a:blipFill rotWithShape="0">
                   <a:blip r:embed="rId3"/>
                   <a:stretch>
-                    <a:fillRect l="-417" r="-139" b="-1235"/>
+                    <a:fillRect l="-417" b="-1235"/>
                   </a:stretch>
                 </a:blipFill>
                 <a:ln w="12700">
@@ -2757,7 +2835,7 @@
             </a:ln>
             <a:extLst>
               <a:ext uri="{C572A759-6A51-4108-AA02-DFA0A04FC94B}">
-                <ma14:wrappingTextBoxFlag xmlns:ma14="http://schemas.microsoft.com/office/mac/drawingml/2011/main" xmlns="" val="1"/>
+                <ma14:wrappingTextBoxFlag xmlns="" xmlns:ma14="http://schemas.microsoft.com/office/mac/drawingml/2011/main" val="1"/>
               </a:ext>
             </a:extLst>
           </p:spPr>
@@ -2869,7 +2947,25 @@
                   <a:cs typeface="Source Sans Pro Light"/>
                   <a:sym typeface="Source Sans Pro Light"/>
                 </a:rPr>
-                <a:t>If response variable is QUANTITATIVE, then GOTO </a:t>
+                <a:t>If response variable is QUANTITATIVE</a:t>
+              </a:r>
+              <a:r>
+                <a:rPr lang="en-US" sz="900" dirty="0" smtClean="0">
+                  <a:latin typeface="Source Sans Pro Light"/>
+                  <a:ea typeface="Source Sans Pro Light"/>
+                  <a:cs typeface="Source Sans Pro Light"/>
+                  <a:sym typeface="Source Sans Pro Light"/>
+                </a:rPr>
+                <a:t>, </a:t>
+              </a:r>
+              <a:r>
+                <a:rPr lang="en-US" sz="900" dirty="0" smtClean="0">
+                  <a:latin typeface="Source Sans Pro Light"/>
+                  <a:ea typeface="Source Sans Pro Light"/>
+                  <a:cs typeface="Source Sans Pro Light"/>
+                  <a:sym typeface="Source Sans Pro Light"/>
+                </a:rPr>
+                <a:t>GOTO </a:t>
               </a:r>
               <a:r>
                 <a:rPr lang="en-US" sz="900" dirty="0" smtClean="0">
@@ -2890,7 +2986,16 @@
                   <a:cs typeface="Source Sans Pro Light"/>
                   <a:sym typeface="Source Sans Pro Light"/>
                 </a:rPr>
-                <a:t>; otherwise GOTO </a:t>
+                <a:t>; </a:t>
+              </a:r>
+              <a:r>
+                <a:rPr lang="en-US" sz="900" dirty="0" smtClean="0">
+                  <a:latin typeface="Source Sans Pro Light"/>
+                  <a:ea typeface="Source Sans Pro Light"/>
+                  <a:cs typeface="Source Sans Pro Light"/>
+                  <a:sym typeface="Source Sans Pro Light"/>
+                </a:rPr>
+                <a:t>if CATEGORICAL, GOTO </a:t>
               </a:r>
               <a:r>
                 <a:rPr lang="en-US" sz="900" dirty="0" smtClean="0">
@@ -2983,7 +3088,25 @@
                   <a:cs typeface="Source Sans Pro Light"/>
                   <a:sym typeface="Source Sans Pro Light"/>
                 </a:rPr>
-                <a:t>If 1 POPULATION was sampled, then GOTO </a:t>
+                <a:t>If 1 </a:t>
+              </a:r>
+              <a:r>
+                <a:rPr lang="en-US" sz="900" dirty="0" smtClean="0">
+                  <a:latin typeface="Source Sans Pro Light"/>
+                  <a:ea typeface="Source Sans Pro Light"/>
+                  <a:cs typeface="Source Sans Pro Light"/>
+                  <a:sym typeface="Source Sans Pro Light"/>
+                </a:rPr>
+                <a:t>group, </a:t>
+              </a:r>
+              <a:r>
+                <a:rPr lang="en-US" sz="900" dirty="0" smtClean="0">
+                  <a:latin typeface="Source Sans Pro Light"/>
+                  <a:ea typeface="Source Sans Pro Light"/>
+                  <a:cs typeface="Source Sans Pro Light"/>
+                  <a:sym typeface="Source Sans Pro Light"/>
+                </a:rPr>
+                <a:t>GOTO </a:t>
               </a:r>
               <a:r>
                 <a:rPr lang="en-US" sz="900" dirty="0" smtClean="0">
@@ -3004,7 +3127,16 @@
                   <a:cs typeface="Source Sans Pro Light"/>
                   <a:sym typeface="Source Sans Pro Light"/>
                 </a:rPr>
-                <a:t>; otherwise GOTO </a:t>
+                <a:t>; </a:t>
+              </a:r>
+              <a:r>
+                <a:rPr lang="en-US" sz="900" dirty="0" smtClean="0">
+                  <a:latin typeface="Source Sans Pro Light"/>
+                  <a:ea typeface="Source Sans Pro Light"/>
+                  <a:cs typeface="Source Sans Pro Light"/>
+                  <a:sym typeface="Source Sans Pro Light"/>
+                </a:rPr>
+                <a:t>if 2 or more groups, GOTO </a:t>
               </a:r>
               <a:r>
                 <a:rPr lang="en-US" sz="900" dirty="0" smtClean="0">
@@ -3097,7 +3229,43 @@
                   <a:cs typeface="Source Sans Pro Light"/>
                   <a:sym typeface="Source Sans Pro Light"/>
                 </a:rPr>
-                <a:t>; otherwise </a:t>
+                <a:t>; </a:t>
+              </a:r>
+              <a:r>
+                <a:rPr lang="en-US" sz="900" dirty="0" smtClean="0">
+                  <a:latin typeface="Source Sans Pro Light"/>
+                  <a:ea typeface="Source Sans Pro Light"/>
+                  <a:cs typeface="Source Sans Pro Light"/>
+                  <a:sym typeface="Source Sans Pro Light"/>
+                </a:rPr>
+                <a:t>If </a:t>
+              </a:r>
+              <a:r>
+                <a:rPr lang="en-US" sz="900" dirty="0">
+                  <a:latin typeface="Symbol" panose="05050102010706020507" pitchFamily="18" charset="2"/>
+                  <a:ea typeface="Source Sans Pro Light"/>
+                  <a:cs typeface="Source Sans Pro Light"/>
+                  <a:sym typeface="Source Sans Pro Light"/>
+                </a:rPr>
+                <a:t>s</a:t>
+              </a:r>
+              <a:r>
+                <a:rPr lang="en-US" sz="900" dirty="0">
+                  <a:latin typeface="Source Sans Pro Light"/>
+                  <a:ea typeface="Source Sans Pro Light"/>
+                  <a:cs typeface="Source Sans Pro Light"/>
+                  <a:sym typeface="Source Sans Pro Light"/>
+                </a:rPr>
+                <a:t> is </a:t>
+              </a:r>
+              <a:r>
+                <a:rPr lang="en-US" sz="900" dirty="0" smtClean="0">
+                  <a:latin typeface="Source Sans Pro Light"/>
+                  <a:ea typeface="Source Sans Pro Light"/>
+                  <a:cs typeface="Source Sans Pro Light"/>
+                  <a:sym typeface="Source Sans Pro Light"/>
+                </a:rPr>
+                <a:t>UNKNOWN, then </a:t>
               </a:r>
               <a:r>
                 <a:rPr lang="en-US" sz="900" b="1" dirty="0" smtClean="0">
@@ -3151,7 +3319,43 @@
                   <a:cs typeface="Source Sans Pro Light"/>
                   <a:sym typeface="Source Sans Pro Light"/>
                 </a:rPr>
-                <a:t>If individuals in populations are INDEPENDENT, then </a:t>
+                <a:t>If </a:t>
+              </a:r>
+              <a:r>
+                <a:rPr lang="en-US" sz="900" dirty="0" smtClean="0">
+                  <a:latin typeface="Source Sans Pro Light"/>
+                  <a:ea typeface="Source Sans Pro Light"/>
+                  <a:cs typeface="Source Sans Pro Light"/>
+                  <a:sym typeface="Source Sans Pro Light"/>
+                </a:rPr>
+                <a:t>individuals </a:t>
+              </a:r>
+              <a:r>
+                <a:rPr lang="en-US" sz="900" dirty="0" smtClean="0">
+                  <a:latin typeface="Source Sans Pro Light"/>
+                  <a:ea typeface="Source Sans Pro Light"/>
+                  <a:cs typeface="Source Sans Pro Light"/>
+                  <a:sym typeface="Source Sans Pro Light"/>
+                </a:rPr>
+                <a:t>are </a:t>
+              </a:r>
+              <a:r>
+                <a:rPr lang="en-US" sz="900" dirty="0" smtClean="0">
+                  <a:latin typeface="Source Sans Pro Light"/>
+                  <a:ea typeface="Source Sans Pro Light"/>
+                  <a:cs typeface="Source Sans Pro Light"/>
+                  <a:sym typeface="Source Sans Pro Light"/>
+                </a:rPr>
+                <a:t>INDEPENDENT between groups, </a:t>
+              </a:r>
+              <a:r>
+                <a:rPr lang="en-US" sz="900" dirty="0" smtClean="0">
+                  <a:latin typeface="Source Sans Pro Light"/>
+                  <a:ea typeface="Source Sans Pro Light"/>
+                  <a:cs typeface="Source Sans Pro Light"/>
+                  <a:sym typeface="Source Sans Pro Light"/>
+                </a:rPr>
+                <a:t>then </a:t>
               </a:r>
               <a:r>
                 <a:rPr lang="en-US" sz="900" b="1" dirty="0" smtClean="0">
@@ -3295,7 +3499,25 @@
                   <a:cs typeface="Source Sans Pro Light"/>
                   <a:sym typeface="Source Sans Pro Light"/>
                 </a:rPr>
-                <a:t>If 1 POPULATION was sampled, then </a:t>
+                <a:t>If 1 </a:t>
+              </a:r>
+              <a:r>
+                <a:rPr lang="en-US" sz="900" dirty="0" smtClean="0">
+                  <a:latin typeface="Source Sans Pro Light"/>
+                  <a:ea typeface="Source Sans Pro Light"/>
+                  <a:cs typeface="Source Sans Pro Light"/>
+                  <a:sym typeface="Source Sans Pro Light"/>
+                </a:rPr>
+                <a:t>group, </a:t>
+              </a:r>
+              <a:r>
+                <a:rPr lang="en-US" sz="900" dirty="0" smtClean="0">
+                  <a:latin typeface="Source Sans Pro Light"/>
+                  <a:ea typeface="Source Sans Pro Light"/>
+                  <a:cs typeface="Source Sans Pro Light"/>
+                  <a:sym typeface="Source Sans Pro Light"/>
+                </a:rPr>
+                <a:t>then </a:t>
               </a:r>
               <a:r>
                 <a:rPr lang="en-US" sz="900" b="1" dirty="0" smtClean="0">
@@ -3316,7 +3538,34 @@
                   <a:cs typeface="Source Sans Pro Light"/>
                   <a:sym typeface="Source Sans Pro Light"/>
                 </a:rPr>
-                <a:t>; otherwise, </a:t>
+                <a:t>; </a:t>
+              </a:r>
+              <a:r>
+                <a:rPr lang="en-US" sz="900" dirty="0">
+                  <a:latin typeface="Source Sans Pro Light"/>
+                  <a:ea typeface="Source Sans Pro Light"/>
+                  <a:cs typeface="Source Sans Pro Light"/>
+                  <a:sym typeface="Source Sans Pro Light"/>
+                </a:rPr>
+                <a:t>if 2 or more </a:t>
+              </a:r>
+              <a:r>
+                <a:rPr lang="en-US" sz="900" dirty="0" smtClean="0">
+                  <a:latin typeface="Source Sans Pro Light"/>
+                  <a:ea typeface="Source Sans Pro Light"/>
+                  <a:cs typeface="Source Sans Pro Light"/>
+                  <a:sym typeface="Source Sans Pro Light"/>
+                </a:rPr>
+                <a:t>groups</a:t>
+              </a:r>
+              <a:r>
+                <a:rPr lang="en-US" sz="900" dirty="0" smtClean="0">
+                  <a:latin typeface="Source Sans Pro Light"/>
+                  <a:ea typeface="Source Sans Pro Light"/>
+                  <a:cs typeface="Source Sans Pro Light"/>
+                  <a:sym typeface="Source Sans Pro Light"/>
+                </a:rPr>
+                <a:t>, then </a:t>
               </a:r>
               <a:r>
                 <a:rPr lang="en-US" sz="900" b="1" dirty="0" smtClean="0">
@@ -3375,7 +3624,7 @@
             </a:ln>
             <a:extLst>
               <a:ext uri="{C572A759-6A51-4108-AA02-DFA0A04FC94B}">
-                <ma14:wrappingTextBoxFlag xmlns:ma14="http://schemas.microsoft.com/office/mac/drawingml/2011/main" xmlns="" val="1"/>
+                <ma14:wrappingTextBoxFlag xmlns="" xmlns:ma14="http://schemas.microsoft.com/office/mac/drawingml/2011/main" val="1"/>
               </a:ext>
             </a:extLst>
           </p:spPr>
@@ -3429,8 +3678,8 @@
             <a:chExt cx="4393984" cy="1650049"/>
           </a:xfrm>
         </p:grpSpPr>
-        <mc:AlternateContent xmlns:mc="http://schemas.openxmlformats.org/markup-compatibility/2006">
-          <mc:Choice xmlns:a14="http://schemas.microsoft.com/office/drawing/2010/main" Requires="a14">
+        <mc:AlternateContent xmlns:mc="http://schemas.openxmlformats.org/markup-compatibility/2006" xmlns:a14="http://schemas.microsoft.com/office/drawing/2010/main">
+          <mc:Choice Requires="a14">
             <p:sp>
               <p:nvSpPr>
                 <p:cNvPr id="54" name="Shape 34"/>
@@ -3651,16 +3900,7 @@
                       <a:cs typeface="Source Sans Pro Light"/>
                       <a:sym typeface="Source Sans Pro Light"/>
                     </a:rPr>
-                    <a:t>Test </a:t>
-                  </a:r>
-                  <a:r>
-                    <a:rPr lang="en-US" sz="900" b="1" dirty="0" smtClean="0">
-                      <a:latin typeface="Source Sans Pro Light"/>
-                      <a:ea typeface="Source Sans Pro Light"/>
-                      <a:cs typeface="Source Sans Pro Light"/>
-                      <a:sym typeface="Source Sans Pro Light"/>
-                    </a:rPr>
-                    <a:t>Statistic: </a:t>
+                    <a:t>Test Statistic: </a:t>
                   </a:r>
                   <a14:m>
                     <m:oMath xmlns:m="http://schemas.openxmlformats.org/officeDocument/2006/math">
@@ -4298,7 +4538,7 @@
               </p:txBody>
             </p:sp>
           </mc:Choice>
-          <mc:Fallback>
+          <mc:Fallback xmlns="">
             <p:sp>
               <p:nvSpPr>
                 <p:cNvPr id="54" name="Shape 34"/>
@@ -4366,7 +4606,7 @@
             </a:ln>
             <a:extLst>
               <a:ext uri="{C572A759-6A51-4108-AA02-DFA0A04FC94B}">
-                <ma14:wrappingTextBoxFlag xmlns:ma14="http://schemas.microsoft.com/office/mac/drawingml/2011/main" xmlns="" val="1"/>
+                <ma14:wrappingTextBoxFlag xmlns="" xmlns:ma14="http://schemas.microsoft.com/office/mac/drawingml/2011/main" val="1"/>
               </a:ext>
             </a:extLst>
           </p:spPr>
@@ -4420,8 +4660,8 @@
             <a:chExt cx="4393984" cy="2323670"/>
           </a:xfrm>
         </p:grpSpPr>
-        <mc:AlternateContent xmlns:mc="http://schemas.openxmlformats.org/markup-compatibility/2006" xmlns:a14="http://schemas.microsoft.com/office/drawing/2010/main">
-          <mc:Choice Requires="a14">
+        <mc:AlternateContent xmlns:mc="http://schemas.openxmlformats.org/markup-compatibility/2006">
+          <mc:Choice xmlns:a14="http://schemas.microsoft.com/office/drawing/2010/main" Requires="a14">
             <p:sp>
               <p:nvSpPr>
                 <p:cNvPr id="57" name="Shape 34"/>
@@ -5930,7 +6170,25 @@
                       <a:cs typeface="Source Sans Pro Light"/>
                       <a:sym typeface="Source Sans Pro Light"/>
                     </a:rPr>
-                    <a:t>1) Individuals in populations are independent</a:t>
+                    <a:t>1) Individuals </a:t>
+                  </a:r>
+                  <a:r>
+                    <a:rPr lang="en-US" sz="900" dirty="0" smtClean="0">
+                      <a:latin typeface="Source Sans Pro Light"/>
+                      <a:ea typeface="Source Sans Pro Light"/>
+                      <a:cs typeface="Source Sans Pro Light"/>
+                      <a:sym typeface="Source Sans Pro Light"/>
+                    </a:rPr>
+                    <a:t>in groups </a:t>
+                  </a:r>
+                  <a:r>
+                    <a:rPr lang="en-US" sz="900" dirty="0" smtClean="0">
+                      <a:latin typeface="Source Sans Pro Light"/>
+                      <a:ea typeface="Source Sans Pro Light"/>
+                      <a:cs typeface="Source Sans Pro Light"/>
+                      <a:sym typeface="Source Sans Pro Light"/>
+                    </a:rPr>
+                    <a:t>are independent</a:t>
                   </a:r>
                 </a:p>
                 <a:p>
@@ -5960,7 +6218,25 @@
                       <a:cs typeface="Source Sans Pro Light"/>
                       <a:sym typeface="Source Sans Pro Light"/>
                     </a:rPr>
-                    <a:t> 2) Variances are equal (use </a:t>
+                    <a:t> 2) </a:t>
+                  </a:r>
+                  <a:r>
+                    <a:rPr lang="en-US" sz="900" dirty="0" smtClean="0">
+                      <a:latin typeface="Source Sans Pro Light"/>
+                      <a:ea typeface="Source Sans Pro Light"/>
+                      <a:cs typeface="Source Sans Pro Light"/>
+                      <a:sym typeface="Source Sans Pro Light"/>
+                    </a:rPr>
+                    <a:t>Group variances </a:t>
+                  </a:r>
+                  <a:r>
+                    <a:rPr lang="en-US" sz="900" dirty="0" smtClean="0">
+                      <a:latin typeface="Source Sans Pro Light"/>
+                      <a:ea typeface="Source Sans Pro Light"/>
+                      <a:cs typeface="Source Sans Pro Light"/>
+                      <a:sym typeface="Source Sans Pro Light"/>
+                    </a:rPr>
+                    <a:t>are equal (use </a:t>
                   </a:r>
                   <a:r>
                     <a:rPr lang="en-US" sz="900" dirty="0" err="1" smtClean="0">
@@ -6287,7 +6563,7 @@
               </p:txBody>
             </p:sp>
           </mc:Choice>
-          <mc:Fallback xmlns="">
+          <mc:Fallback>
             <p:sp>
               <p:nvSpPr>
                 <p:cNvPr id="57" name="Shape 34"/>
@@ -6355,7 +6631,7 @@
             </a:ln>
             <a:extLst>
               <a:ext uri="{C572A759-6A51-4108-AA02-DFA0A04FC94B}">
-                <ma14:wrappingTextBoxFlag xmlns:ma14="http://schemas.microsoft.com/office/mac/drawingml/2011/main" xmlns="" val="1"/>
+                <ma14:wrappingTextBoxFlag xmlns="" xmlns:ma14="http://schemas.microsoft.com/office/mac/drawingml/2011/main" val="1"/>
               </a:ext>
             </a:extLst>
           </p:spPr>
@@ -6409,8 +6685,8 @@
             <a:chExt cx="4393984" cy="1463239"/>
           </a:xfrm>
         </p:grpSpPr>
-        <mc:AlternateContent xmlns:mc="http://schemas.openxmlformats.org/markup-compatibility/2006">
-          <mc:Choice xmlns:a14="http://schemas.microsoft.com/office/drawing/2010/main" Requires="a14">
+        <mc:AlternateContent xmlns:mc="http://schemas.openxmlformats.org/markup-compatibility/2006" xmlns:a14="http://schemas.microsoft.com/office/drawing/2010/main">
+          <mc:Choice Requires="a14">
             <p:sp>
               <p:nvSpPr>
                 <p:cNvPr id="59" name="Shape 34"/>
@@ -7187,7 +7463,7 @@
               </p:txBody>
             </p:sp>
           </mc:Choice>
-          <mc:Fallback>
+          <mc:Fallback xmlns="">
             <p:sp>
               <p:nvSpPr>
                 <p:cNvPr id="59" name="Shape 34"/>
@@ -7255,7 +7531,7 @@
             </a:ln>
             <a:extLst>
               <a:ext uri="{C572A759-6A51-4108-AA02-DFA0A04FC94B}">
-                <ma14:wrappingTextBoxFlag xmlns:ma14="http://schemas.microsoft.com/office/mac/drawingml/2011/main" xmlns="" val="1"/>
+                <ma14:wrappingTextBoxFlag xmlns="" xmlns:ma14="http://schemas.microsoft.com/office/mac/drawingml/2011/main" val="1"/>
               </a:ext>
             </a:extLst>
           </p:spPr>
@@ -7309,8 +7585,8 @@
             <a:chExt cx="4393984" cy="1864063"/>
           </a:xfrm>
         </p:grpSpPr>
-        <mc:AlternateContent xmlns:mc="http://schemas.openxmlformats.org/markup-compatibility/2006" xmlns:a14="http://schemas.microsoft.com/office/drawing/2010/main">
-          <mc:Choice Requires="a14">
+        <mc:AlternateContent xmlns:mc="http://schemas.openxmlformats.org/markup-compatibility/2006">
+          <mc:Choice xmlns:a14="http://schemas.microsoft.com/office/drawing/2010/main" Requires="a14">
             <p:sp>
               <p:nvSpPr>
                 <p:cNvPr id="63" name="Shape 34"/>
@@ -7387,22 +7663,22 @@
                     <a:t> “Distribution of </a:t>
                   </a:r>
                   <a:r>
-                    <a:rPr lang="en-US" sz="900" dirty="0" err="1" smtClean="0">
-                      <a:latin typeface="Source Sans Pro Light"/>
-                      <a:ea typeface="Source Sans Pro Light"/>
-                      <a:cs typeface="Source Sans Pro Light"/>
-                      <a:sym typeface="Source Sans Pro Light"/>
-                    </a:rPr>
-                    <a:t>individs</a:t>
-                  </a:r>
-                  <a:r>
                     <a:rPr lang="en-US" sz="900" dirty="0" smtClean="0">
                       <a:latin typeface="Source Sans Pro Light"/>
                       <a:ea typeface="Source Sans Pro Light"/>
                       <a:cs typeface="Source Sans Pro Light"/>
                       <a:sym typeface="Source Sans Pro Light"/>
                     </a:rPr>
-                    <a:t> into response levels follows the theoretical distribution”</a:t>
+                    <a:t>individuals in </a:t>
+                  </a:r>
+                  <a:r>
+                    <a:rPr lang="en-US" sz="900" dirty="0" smtClean="0">
+                      <a:latin typeface="Source Sans Pro Light"/>
+                      <a:ea typeface="Source Sans Pro Light"/>
+                      <a:cs typeface="Source Sans Pro Light"/>
+                      <a:sym typeface="Source Sans Pro Light"/>
+                    </a:rPr>
+                    <a:t>response levels follows the theoretical distribution”</a:t>
                   </a:r>
                 </a:p>
                 <a:p>
@@ -7462,22 +7738,13 @@
                     <a:t>“Distribution of </a:t>
                   </a:r>
                   <a:r>
-                    <a:rPr lang="en-US" sz="900" dirty="0" err="1" smtClean="0">
-                      <a:latin typeface="Source Sans Pro Light"/>
-                      <a:ea typeface="Source Sans Pro Light"/>
-                      <a:cs typeface="Source Sans Pro Light"/>
-                      <a:sym typeface="Source Sans Pro Light"/>
-                    </a:rPr>
-                    <a:t>indivuals</a:t>
-                  </a:r>
-                  <a:r>
                     <a:rPr lang="en-US" sz="900" dirty="0" smtClean="0">
                       <a:latin typeface="Source Sans Pro Light"/>
                       <a:ea typeface="Source Sans Pro Light"/>
                       <a:cs typeface="Source Sans Pro Light"/>
                       <a:sym typeface="Source Sans Pro Light"/>
                     </a:rPr>
-                    <a:t> into </a:t>
+                    <a:t>individuals in </a:t>
                   </a:r>
                   <a:r>
                     <a:rPr lang="en-US" sz="900" dirty="0">
@@ -7882,13 +8149,31 @@
                     <a:t>5 in each cell of the </a:t>
                   </a:r>
                   <a:r>
+                    <a:rPr lang="en-US" sz="900" dirty="0" smtClean="0">
+                      <a:latin typeface="Source Sans Pro Light"/>
+                      <a:ea typeface="Source Sans Pro Light"/>
+                      <a:cs typeface="Source Sans Pro Light"/>
+                      <a:sym typeface="Source Sans Pro Light"/>
+                    </a:rPr>
+                    <a:t>EXPECTED</a:t>
+                  </a:r>
+                  <a:r>
+                    <a:rPr lang="en-US" sz="900" dirty="0" smtClean="0">
+                      <a:latin typeface="Source Sans Pro Light"/>
+                      <a:ea typeface="Source Sans Pro Light"/>
+                      <a:cs typeface="Source Sans Pro Light"/>
+                      <a:sym typeface="Source Sans Pro Light"/>
+                    </a:rPr>
+                    <a:t> </a:t>
+                  </a:r>
+                  <a:r>
                     <a:rPr lang="en-US" sz="900" dirty="0">
                       <a:latin typeface="Source Sans Pro Light"/>
                       <a:ea typeface="Source Sans Pro Light"/>
                       <a:cs typeface="Source Sans Pro Light"/>
                       <a:sym typeface="Source Sans Pro Light"/>
                     </a:rPr>
-                    <a:t>expected table</a:t>
+                    <a:t>table</a:t>
                   </a:r>
                 </a:p>
                 <a:p>
@@ -8086,7 +8371,7 @@
               </p:txBody>
             </p:sp>
           </mc:Choice>
-          <mc:Fallback xmlns="">
+          <mc:Fallback>
             <p:sp>
               <p:nvSpPr>
                 <p:cNvPr id="63" name="Shape 34"/>
@@ -8154,7 +8439,7 @@
             </a:ln>
             <a:extLst>
               <a:ext uri="{C572A759-6A51-4108-AA02-DFA0A04FC94B}">
-                <ma14:wrappingTextBoxFlag xmlns:ma14="http://schemas.microsoft.com/office/mac/drawingml/2011/main" xmlns="" val="1"/>
+                <ma14:wrappingTextBoxFlag xmlns="" xmlns:ma14="http://schemas.microsoft.com/office/mac/drawingml/2011/main" val="1"/>
               </a:ext>
             </a:extLst>
           </p:spPr>
@@ -8261,8 +8546,8 @@
         </p:nvSpPr>
         <p:spPr>
           <a:xfrm>
-            <a:off x="2351445" y="654641"/>
-            <a:ext cx="1267465" cy="152737"/>
+            <a:off x="2353047" y="654641"/>
+            <a:ext cx="1264260" cy="152737"/>
           </a:xfrm>
           <a:prstGeom prst="rect">
             <a:avLst/>
@@ -8313,7 +8598,18 @@
                 </a:solidFill>
                 <a:latin typeface="Source Sans Pro Light"/>
               </a:rPr>
-              <a:t>Nov-17</a:t>
+              <a:t>Dec</a:t>
+            </a:r>
+            <a:r>
+              <a:rPr lang="en-US" sz="600" b="1" dirty="0" smtClean="0">
+                <a:solidFill>
+                  <a:schemeClr val="bg1">
+                    <a:lumMod val="75000"/>
+                  </a:schemeClr>
+                </a:solidFill>
+                <a:latin typeface="Source Sans Pro Light"/>
+              </a:rPr>
+              <a:t>-17</a:t>
             </a:r>
             <a:endParaRPr lang="en-US" sz="600" b="1" dirty="0">
               <a:solidFill>
@@ -8404,7 +8700,16 @@
                   <a:cs typeface="Source Sans Pro Light"/>
                   <a:sym typeface="Source Sans Pro Light"/>
                 </a:rPr>
-                <a:t>If the p-value &lt; </a:t>
+                <a:t>If </a:t>
+              </a:r>
+              <a:r>
+                <a:rPr lang="en-US" sz="1200" dirty="0" smtClean="0">
+                  <a:latin typeface="Source Sans Pro Light"/>
+                  <a:ea typeface="Source Sans Pro Light"/>
+                  <a:cs typeface="Source Sans Pro Light"/>
+                  <a:sym typeface="Source Sans Pro Light"/>
+                </a:rPr>
+                <a:t>p-value &lt; </a:t>
               </a:r>
               <a:r>
                 <a:rPr lang="en-US" sz="1200" dirty="0" smtClean="0">
@@ -8526,7 +8831,7 @@
             </a:ln>
             <a:extLst>
               <a:ext uri="{C572A759-6A51-4108-AA02-DFA0A04FC94B}">
-                <ma14:wrappingTextBoxFlag xmlns:ma14="http://schemas.microsoft.com/office/mac/drawingml/2011/main" xmlns="" val="1"/>
+                <ma14:wrappingTextBoxFlag xmlns="" xmlns:ma14="http://schemas.microsoft.com/office/mac/drawingml/2011/main" val="1"/>
               </a:ext>
             </a:extLst>
           </p:spPr>
